--- a/Java Basics/UI Basics 4.pptx
+++ b/Java Basics/UI Basics 4.pptx
@@ -4,8 +4,28 @@
   <p:sldMasterIdLst>
     <p:sldMasterId id="2147483648" r:id="rId1"/>
   </p:sldMasterIdLst>
+  <p:notesMasterIdLst>
+    <p:notesMasterId r:id="rId20"/>
+  </p:notesMasterIdLst>
   <p:sldIdLst>
     <p:sldId id="256" r:id="rId2"/>
+    <p:sldId id="258" r:id="rId3"/>
+    <p:sldId id="259" r:id="rId4"/>
+    <p:sldId id="260" r:id="rId5"/>
+    <p:sldId id="261" r:id="rId6"/>
+    <p:sldId id="262" r:id="rId7"/>
+    <p:sldId id="274" r:id="rId8"/>
+    <p:sldId id="263" r:id="rId9"/>
+    <p:sldId id="264" r:id="rId10"/>
+    <p:sldId id="265" r:id="rId11"/>
+    <p:sldId id="266" r:id="rId12"/>
+    <p:sldId id="267" r:id="rId13"/>
+    <p:sldId id="268" r:id="rId14"/>
+    <p:sldId id="269" r:id="rId15"/>
+    <p:sldId id="270" r:id="rId16"/>
+    <p:sldId id="271" r:id="rId17"/>
+    <p:sldId id="272" r:id="rId18"/>
+    <p:sldId id="273" r:id="rId19"/>
   </p:sldIdLst>
   <p:sldSz cx="12192000" cy="6858000"/>
   <p:notesSz cx="6858000" cy="9144000"/>
@@ -105,6 +125,439 @@
     </a:lvl9pPr>
   </p:defaultTextStyle>
 </p:presentation>
+</file>
+
+<file path=ppt/notesMasters/notesMaster1.xml><?xml version="1.0" encoding="utf-8"?>
+<p:notesMaster xmlns:a="http://schemas.openxmlformats.org/drawingml/2006/main" xmlns:r="http://schemas.openxmlformats.org/officeDocument/2006/relationships" xmlns:p="http://schemas.openxmlformats.org/presentationml/2006/main">
+  <p:cSld>
+    <p:bg>
+      <p:bgRef idx="1001">
+        <a:schemeClr val="bg1"/>
+      </p:bgRef>
+    </p:bg>
+    <p:spTree>
+      <p:nvGrpSpPr>
+        <p:cNvPr id="1" name=""/>
+        <p:cNvGrpSpPr/>
+        <p:nvPr/>
+      </p:nvGrpSpPr>
+      <p:grpSpPr>
+        <a:xfrm>
+          <a:off x="0" y="0"/>
+          <a:ext cx="0" cy="0"/>
+          <a:chOff x="0" y="0"/>
+          <a:chExt cx="0" cy="0"/>
+        </a:xfrm>
+      </p:grpSpPr>
+      <p:sp>
+        <p:nvSpPr>
+          <p:cNvPr id="2" name="页眉占位符 1"/>
+          <p:cNvSpPr>
+            <a:spLocks noGrp="1"/>
+          </p:cNvSpPr>
+          <p:nvPr>
+            <p:ph type="hdr" sz="quarter"/>
+          </p:nvPr>
+        </p:nvSpPr>
+        <p:spPr>
+          <a:xfrm>
+            <a:off x="0" y="0"/>
+            <a:ext cx="2971800" cy="458788"/>
+          </a:xfrm>
+          <a:prstGeom prst="rect">
+            <a:avLst/>
+          </a:prstGeom>
+        </p:spPr>
+        <p:txBody>
+          <a:bodyPr vert="horz" lIns="91440" tIns="45720" rIns="91440" bIns="45720" rtlCol="0"/>
+          <a:lstStyle>
+            <a:lvl1pPr algn="l">
+              <a:defRPr sz="1200"/>
+            </a:lvl1pPr>
+          </a:lstStyle>
+          <a:p>
+            <a:endParaRPr kumimoji="1" lang="zh-CN" altLang="en-US"/>
+          </a:p>
+        </p:txBody>
+      </p:sp>
+      <p:sp>
+        <p:nvSpPr>
+          <p:cNvPr id="3" name="日期占位符 2"/>
+          <p:cNvSpPr>
+            <a:spLocks noGrp="1"/>
+          </p:cNvSpPr>
+          <p:nvPr>
+            <p:ph type="dt" idx="1"/>
+          </p:nvPr>
+        </p:nvSpPr>
+        <p:spPr>
+          <a:xfrm>
+            <a:off x="3884613" y="0"/>
+            <a:ext cx="2971800" cy="458788"/>
+          </a:xfrm>
+          <a:prstGeom prst="rect">
+            <a:avLst/>
+          </a:prstGeom>
+        </p:spPr>
+        <p:txBody>
+          <a:bodyPr vert="horz" lIns="91440" tIns="45720" rIns="91440" bIns="45720" rtlCol="0"/>
+          <a:lstStyle>
+            <a:lvl1pPr algn="r">
+              <a:defRPr sz="1200"/>
+            </a:lvl1pPr>
+          </a:lstStyle>
+          <a:p>
+            <a:fld id="{1345BEE8-89A2-AF44-A233-F03C9A1292A5}" type="datetimeFigureOut">
+              <a:rPr kumimoji="1" lang="zh-CN" altLang="en-US" smtClean="0"/>
+              <a:t>2023/3/15</a:t>
+            </a:fld>
+            <a:endParaRPr kumimoji="1" lang="zh-CN" altLang="en-US"/>
+          </a:p>
+        </p:txBody>
+      </p:sp>
+      <p:sp>
+        <p:nvSpPr>
+          <p:cNvPr id="4" name="幻灯片图像占位符 3"/>
+          <p:cNvSpPr>
+            <a:spLocks noGrp="1" noRot="1" noChangeAspect="1"/>
+          </p:cNvSpPr>
+          <p:nvPr>
+            <p:ph type="sldImg" idx="2"/>
+          </p:nvPr>
+        </p:nvSpPr>
+        <p:spPr>
+          <a:xfrm>
+            <a:off x="685800" y="1143000"/>
+            <a:ext cx="5486400" cy="3086100"/>
+          </a:xfrm>
+          <a:prstGeom prst="rect">
+            <a:avLst/>
+          </a:prstGeom>
+          <a:noFill/>
+          <a:ln w="12700">
+            <a:solidFill>
+              <a:prstClr val="black"/>
+            </a:solidFill>
+          </a:ln>
+        </p:spPr>
+        <p:txBody>
+          <a:bodyPr vert="horz" lIns="91440" tIns="45720" rIns="91440" bIns="45720" rtlCol="0" anchor="ctr"/>
+          <a:lstStyle/>
+          <a:p>
+            <a:endParaRPr lang="zh-CN" altLang="en-US"/>
+          </a:p>
+        </p:txBody>
+      </p:sp>
+      <p:sp>
+        <p:nvSpPr>
+          <p:cNvPr id="5" name="备注占位符 4"/>
+          <p:cNvSpPr>
+            <a:spLocks noGrp="1"/>
+          </p:cNvSpPr>
+          <p:nvPr>
+            <p:ph type="body" sz="quarter" idx="3"/>
+          </p:nvPr>
+        </p:nvSpPr>
+        <p:spPr>
+          <a:xfrm>
+            <a:off x="685800" y="4400550"/>
+            <a:ext cx="5486400" cy="3600450"/>
+          </a:xfrm>
+          <a:prstGeom prst="rect">
+            <a:avLst/>
+          </a:prstGeom>
+        </p:spPr>
+        <p:txBody>
+          <a:bodyPr vert="horz" lIns="91440" tIns="45720" rIns="91440" bIns="45720" rtlCol="0"/>
+          <a:lstStyle/>
+          <a:p>
+            <a:pPr lvl="0"/>
+            <a:r>
+              <a:rPr kumimoji="1" lang="zh-CN" altLang="en-US"/>
+              <a:t>单击此处编辑母版文本样式</a:t>
+            </a:r>
+          </a:p>
+          <a:p>
+            <a:pPr lvl="1"/>
+            <a:r>
+              <a:rPr kumimoji="1" lang="zh-CN" altLang="en-US"/>
+              <a:t>二级</a:t>
+            </a:r>
+          </a:p>
+          <a:p>
+            <a:pPr lvl="2"/>
+            <a:r>
+              <a:rPr kumimoji="1" lang="zh-CN" altLang="en-US"/>
+              <a:t>三级</a:t>
+            </a:r>
+          </a:p>
+          <a:p>
+            <a:pPr lvl="3"/>
+            <a:r>
+              <a:rPr kumimoji="1" lang="zh-CN" altLang="en-US"/>
+              <a:t>四级</a:t>
+            </a:r>
+          </a:p>
+          <a:p>
+            <a:pPr lvl="4"/>
+            <a:r>
+              <a:rPr kumimoji="1" lang="zh-CN" altLang="en-US"/>
+              <a:t>五级</a:t>
+            </a:r>
+          </a:p>
+        </p:txBody>
+      </p:sp>
+      <p:sp>
+        <p:nvSpPr>
+          <p:cNvPr id="6" name="页脚占位符 5"/>
+          <p:cNvSpPr>
+            <a:spLocks noGrp="1"/>
+          </p:cNvSpPr>
+          <p:nvPr>
+            <p:ph type="ftr" sz="quarter" idx="4"/>
+          </p:nvPr>
+        </p:nvSpPr>
+        <p:spPr>
+          <a:xfrm>
+            <a:off x="0" y="8685213"/>
+            <a:ext cx="2971800" cy="458787"/>
+          </a:xfrm>
+          <a:prstGeom prst="rect">
+            <a:avLst/>
+          </a:prstGeom>
+        </p:spPr>
+        <p:txBody>
+          <a:bodyPr vert="horz" lIns="91440" tIns="45720" rIns="91440" bIns="45720" rtlCol="0" anchor="b"/>
+          <a:lstStyle>
+            <a:lvl1pPr algn="l">
+              <a:defRPr sz="1200"/>
+            </a:lvl1pPr>
+          </a:lstStyle>
+          <a:p>
+            <a:endParaRPr kumimoji="1" lang="zh-CN" altLang="en-US"/>
+          </a:p>
+        </p:txBody>
+      </p:sp>
+      <p:sp>
+        <p:nvSpPr>
+          <p:cNvPr id="7" name="灯片编号占位符 6"/>
+          <p:cNvSpPr>
+            <a:spLocks noGrp="1"/>
+          </p:cNvSpPr>
+          <p:nvPr>
+            <p:ph type="sldNum" sz="quarter" idx="5"/>
+          </p:nvPr>
+        </p:nvSpPr>
+        <p:spPr>
+          <a:xfrm>
+            <a:off x="3884613" y="8685213"/>
+            <a:ext cx="2971800" cy="458787"/>
+          </a:xfrm>
+          <a:prstGeom prst="rect">
+            <a:avLst/>
+          </a:prstGeom>
+        </p:spPr>
+        <p:txBody>
+          <a:bodyPr vert="horz" lIns="91440" tIns="45720" rIns="91440" bIns="45720" rtlCol="0" anchor="b"/>
+          <a:lstStyle>
+            <a:lvl1pPr algn="r">
+              <a:defRPr sz="1200"/>
+            </a:lvl1pPr>
+          </a:lstStyle>
+          <a:p>
+            <a:fld id="{BC8D608F-C191-3C45-ABCC-2E095570EA46}" type="slidenum">
+              <a:rPr kumimoji="1" lang="zh-CN" altLang="en-US" smtClean="0"/>
+              <a:t>‹#›</a:t>
+            </a:fld>
+            <a:endParaRPr kumimoji="1" lang="zh-CN" altLang="en-US"/>
+          </a:p>
+        </p:txBody>
+      </p:sp>
+    </p:spTree>
+    <p:extLst>
+      <p:ext uri="{BB962C8B-B14F-4D97-AF65-F5344CB8AC3E}">
+        <p14:creationId xmlns:p14="http://schemas.microsoft.com/office/powerpoint/2010/main" val="1385203874"/>
+      </p:ext>
+    </p:extLst>
+  </p:cSld>
+  <p:clrMap bg1="lt1" tx1="dk1" bg2="lt2" tx2="dk2" accent1="accent1" accent2="accent2" accent3="accent3" accent4="accent4" accent5="accent5" accent6="accent6" hlink="hlink" folHlink="folHlink"/>
+  <p:notesStyle>
+    <a:lvl1pPr marL="0" algn="l" defTabSz="914400" rtl="0" eaLnBrk="1" latinLnBrk="0" hangingPunct="1">
+      <a:defRPr sz="1200" kern="1200">
+        <a:solidFill>
+          <a:schemeClr val="tx1"/>
+        </a:solidFill>
+        <a:latin typeface="+mn-lt"/>
+        <a:ea typeface="+mn-ea"/>
+        <a:cs typeface="+mn-cs"/>
+      </a:defRPr>
+    </a:lvl1pPr>
+    <a:lvl2pPr marL="457200" algn="l" defTabSz="914400" rtl="0" eaLnBrk="1" latinLnBrk="0" hangingPunct="1">
+      <a:defRPr sz="1200" kern="1200">
+        <a:solidFill>
+          <a:schemeClr val="tx1"/>
+        </a:solidFill>
+        <a:latin typeface="+mn-lt"/>
+        <a:ea typeface="+mn-ea"/>
+        <a:cs typeface="+mn-cs"/>
+      </a:defRPr>
+    </a:lvl2pPr>
+    <a:lvl3pPr marL="914400" algn="l" defTabSz="914400" rtl="0" eaLnBrk="1" latinLnBrk="0" hangingPunct="1">
+      <a:defRPr sz="1200" kern="1200">
+        <a:solidFill>
+          <a:schemeClr val="tx1"/>
+        </a:solidFill>
+        <a:latin typeface="+mn-lt"/>
+        <a:ea typeface="+mn-ea"/>
+        <a:cs typeface="+mn-cs"/>
+      </a:defRPr>
+    </a:lvl3pPr>
+    <a:lvl4pPr marL="1371600" algn="l" defTabSz="914400" rtl="0" eaLnBrk="1" latinLnBrk="0" hangingPunct="1">
+      <a:defRPr sz="1200" kern="1200">
+        <a:solidFill>
+          <a:schemeClr val="tx1"/>
+        </a:solidFill>
+        <a:latin typeface="+mn-lt"/>
+        <a:ea typeface="+mn-ea"/>
+        <a:cs typeface="+mn-cs"/>
+      </a:defRPr>
+    </a:lvl4pPr>
+    <a:lvl5pPr marL="1828800" algn="l" defTabSz="914400" rtl="0" eaLnBrk="1" latinLnBrk="0" hangingPunct="1">
+      <a:defRPr sz="1200" kern="1200">
+        <a:solidFill>
+          <a:schemeClr val="tx1"/>
+        </a:solidFill>
+        <a:latin typeface="+mn-lt"/>
+        <a:ea typeface="+mn-ea"/>
+        <a:cs typeface="+mn-cs"/>
+      </a:defRPr>
+    </a:lvl5pPr>
+    <a:lvl6pPr marL="2286000" algn="l" defTabSz="914400" rtl="0" eaLnBrk="1" latinLnBrk="0" hangingPunct="1">
+      <a:defRPr sz="1200" kern="1200">
+        <a:solidFill>
+          <a:schemeClr val="tx1"/>
+        </a:solidFill>
+        <a:latin typeface="+mn-lt"/>
+        <a:ea typeface="+mn-ea"/>
+        <a:cs typeface="+mn-cs"/>
+      </a:defRPr>
+    </a:lvl6pPr>
+    <a:lvl7pPr marL="2743200" algn="l" defTabSz="914400" rtl="0" eaLnBrk="1" latinLnBrk="0" hangingPunct="1">
+      <a:defRPr sz="1200" kern="1200">
+        <a:solidFill>
+          <a:schemeClr val="tx1"/>
+        </a:solidFill>
+        <a:latin typeface="+mn-lt"/>
+        <a:ea typeface="+mn-ea"/>
+        <a:cs typeface="+mn-cs"/>
+      </a:defRPr>
+    </a:lvl7pPr>
+    <a:lvl8pPr marL="3200400" algn="l" defTabSz="914400" rtl="0" eaLnBrk="1" latinLnBrk="0" hangingPunct="1">
+      <a:defRPr sz="1200" kern="1200">
+        <a:solidFill>
+          <a:schemeClr val="tx1"/>
+        </a:solidFill>
+        <a:latin typeface="+mn-lt"/>
+        <a:ea typeface="+mn-ea"/>
+        <a:cs typeface="+mn-cs"/>
+      </a:defRPr>
+    </a:lvl8pPr>
+    <a:lvl9pPr marL="3657600" algn="l" defTabSz="914400" rtl="0" eaLnBrk="1" latinLnBrk="0" hangingPunct="1">
+      <a:defRPr sz="1200" kern="1200">
+        <a:solidFill>
+          <a:schemeClr val="tx1"/>
+        </a:solidFill>
+        <a:latin typeface="+mn-lt"/>
+        <a:ea typeface="+mn-ea"/>
+        <a:cs typeface="+mn-cs"/>
+      </a:defRPr>
+    </a:lvl9pPr>
+  </p:notesStyle>
+</p:notesMaster>
+</file>
+
+<file path=ppt/notesSlides/notesSlide1.xml><?xml version="1.0" encoding="utf-8"?>
+<p:notes xmlns:a="http://schemas.openxmlformats.org/drawingml/2006/main" xmlns:r="http://schemas.openxmlformats.org/officeDocument/2006/relationships" xmlns:p="http://schemas.openxmlformats.org/presentationml/2006/main">
+  <p:cSld>
+    <p:spTree>
+      <p:nvGrpSpPr>
+        <p:cNvPr id="1" name=""/>
+        <p:cNvGrpSpPr/>
+        <p:nvPr/>
+      </p:nvGrpSpPr>
+      <p:grpSpPr>
+        <a:xfrm>
+          <a:off x="0" y="0"/>
+          <a:ext cx="0" cy="0"/>
+          <a:chOff x="0" y="0"/>
+          <a:chExt cx="0" cy="0"/>
+        </a:xfrm>
+      </p:grpSpPr>
+      <p:sp>
+        <p:nvSpPr>
+          <p:cNvPr id="2" name="幻灯片图像占位符 1"/>
+          <p:cNvSpPr>
+            <a:spLocks noGrp="1" noRot="1" noChangeAspect="1"/>
+          </p:cNvSpPr>
+          <p:nvPr>
+            <p:ph type="sldImg"/>
+          </p:nvPr>
+        </p:nvSpPr>
+        <p:spPr/>
+      </p:sp>
+      <p:sp>
+        <p:nvSpPr>
+          <p:cNvPr id="3" name="备注占位符 2"/>
+          <p:cNvSpPr>
+            <a:spLocks noGrp="1"/>
+          </p:cNvSpPr>
+          <p:nvPr>
+            <p:ph type="body" idx="1"/>
+          </p:nvPr>
+        </p:nvSpPr>
+        <p:spPr/>
+        <p:txBody>
+          <a:bodyPr/>
+          <a:lstStyle/>
+          <a:p>
+            <a:endParaRPr kumimoji="1" lang="zh-CN" altLang="en-US" dirty="0"/>
+          </a:p>
+        </p:txBody>
+      </p:sp>
+      <p:sp>
+        <p:nvSpPr>
+          <p:cNvPr id="4" name="灯片编号占位符 3"/>
+          <p:cNvSpPr>
+            <a:spLocks noGrp="1"/>
+          </p:cNvSpPr>
+          <p:nvPr>
+            <p:ph type="sldNum" sz="quarter" idx="5"/>
+          </p:nvPr>
+        </p:nvSpPr>
+        <p:spPr/>
+        <p:txBody>
+          <a:bodyPr/>
+          <a:lstStyle/>
+          <a:p>
+            <a:fld id="{BC8D608F-C191-3C45-ABCC-2E095570EA46}" type="slidenum">
+              <a:rPr kumimoji="1" lang="zh-CN" altLang="en-US" smtClean="0"/>
+              <a:t>4</a:t>
+            </a:fld>
+            <a:endParaRPr kumimoji="1" lang="zh-CN" altLang="en-US"/>
+          </a:p>
+        </p:txBody>
+      </p:sp>
+    </p:spTree>
+    <p:extLst>
+      <p:ext uri="{BB962C8B-B14F-4D97-AF65-F5344CB8AC3E}">
+        <p14:creationId xmlns:p14="http://schemas.microsoft.com/office/powerpoint/2010/main" val="104214915"/>
+      </p:ext>
+    </p:extLst>
+  </p:cSld>
+  <p:clrMapOvr>
+    <a:masterClrMapping/>
+  </p:clrMapOvr>
+</p:notes>
 </file>
 
 <file path=ppt/slideLayouts/slideLayout1.xml><?xml version="1.0" encoding="utf-8"?>
@@ -3372,10 +3825,10 @@
           <a:lstStyle/>
           <a:p>
             <a:r>
-              <a:rPr kumimoji="1" lang="en-US" altLang="zh-CN"/>
+              <a:rPr kumimoji="1" lang="en-US" altLang="zh-CN" dirty="0"/>
               <a:t>Guangjian Zhou</a:t>
             </a:r>
-            <a:endParaRPr kumimoji="1" lang="zh-CN" altLang="en-US"/>
+            <a:endParaRPr kumimoji="1" lang="zh-CN" altLang="en-US" dirty="0"/>
           </a:p>
         </p:txBody>
       </p:sp>
@@ -3383,6 +3836,2543 @@
     <p:extLst>
       <p:ext uri="{BB962C8B-B14F-4D97-AF65-F5344CB8AC3E}">
         <p14:creationId xmlns:p14="http://schemas.microsoft.com/office/powerpoint/2010/main" val="174753913"/>
+      </p:ext>
+    </p:extLst>
+  </p:cSld>
+  <p:clrMapOvr>
+    <a:masterClrMapping/>
+  </p:clrMapOvr>
+</p:sld>
+</file>
+
+<file path=ppt/slides/slide10.xml><?xml version="1.0" encoding="utf-8"?>
+<p:sld xmlns:a="http://schemas.openxmlformats.org/drawingml/2006/main" xmlns:r="http://schemas.openxmlformats.org/officeDocument/2006/relationships" xmlns:p="http://schemas.openxmlformats.org/presentationml/2006/main">
+  <p:cSld>
+    <p:spTree>
+      <p:nvGrpSpPr>
+        <p:cNvPr id="1" name=""/>
+        <p:cNvGrpSpPr/>
+        <p:nvPr/>
+      </p:nvGrpSpPr>
+      <p:grpSpPr>
+        <a:xfrm>
+          <a:off x="0" y="0"/>
+          <a:ext cx="0" cy="0"/>
+          <a:chOff x="0" y="0"/>
+          <a:chExt cx="0" cy="0"/>
+        </a:xfrm>
+      </p:grpSpPr>
+      <p:sp>
+        <p:nvSpPr>
+          <p:cNvPr id="2" name="标题 1">
+            <a:extLst>
+              <a:ext uri="{FF2B5EF4-FFF2-40B4-BE49-F238E27FC236}">
+                <a16:creationId xmlns:a16="http://schemas.microsoft.com/office/drawing/2014/main" id="{4BB5DAC3-A0A6-584C-9029-5C851691E4D6}"/>
+              </a:ext>
+            </a:extLst>
+          </p:cNvPr>
+          <p:cNvSpPr>
+            <a:spLocks noGrp="1"/>
+          </p:cNvSpPr>
+          <p:nvPr>
+            <p:ph type="title"/>
+          </p:nvPr>
+        </p:nvSpPr>
+        <p:spPr/>
+        <p:txBody>
+          <a:bodyPr/>
+          <a:lstStyle/>
+          <a:p>
+            <a:r>
+              <a:rPr kumimoji="1" lang="en" altLang="zh-CN" dirty="0"/>
+              <a:t>What are Method decorators?</a:t>
+            </a:r>
+            <a:endParaRPr kumimoji="1" lang="zh-CN" altLang="en-US" dirty="0"/>
+          </a:p>
+        </p:txBody>
+      </p:sp>
+      <p:pic>
+        <p:nvPicPr>
+          <p:cNvPr id="4" name="内容占位符 3">
+            <a:extLst>
+              <a:ext uri="{FF2B5EF4-FFF2-40B4-BE49-F238E27FC236}">
+                <a16:creationId xmlns:a16="http://schemas.microsoft.com/office/drawing/2014/main" id="{92F7BAE8-040E-CF40-9DC5-6E26E7FFD025}"/>
+              </a:ext>
+            </a:extLst>
+          </p:cNvPr>
+          <p:cNvPicPr>
+            <a:picLocks noGrp="1" noChangeAspect="1"/>
+          </p:cNvPicPr>
+          <p:nvPr>
+            <p:ph idx="1"/>
+          </p:nvPr>
+        </p:nvPicPr>
+        <p:blipFill>
+          <a:blip r:embed="rId2"/>
+          <a:stretch>
+            <a:fillRect/>
+          </a:stretch>
+        </p:blipFill>
+        <p:spPr>
+          <a:xfrm>
+            <a:off x="2667971" y="1825625"/>
+            <a:ext cx="6856058" cy="4351338"/>
+          </a:xfrm>
+          <a:prstGeom prst="rect">
+            <a:avLst/>
+          </a:prstGeom>
+        </p:spPr>
+      </p:pic>
+    </p:spTree>
+    <p:extLst>
+      <p:ext uri="{BB962C8B-B14F-4D97-AF65-F5344CB8AC3E}">
+        <p14:creationId xmlns:p14="http://schemas.microsoft.com/office/powerpoint/2010/main" val="3107840020"/>
+      </p:ext>
+    </p:extLst>
+  </p:cSld>
+  <p:clrMapOvr>
+    <a:masterClrMapping/>
+  </p:clrMapOvr>
+</p:sld>
+</file>
+
+<file path=ppt/slides/slide11.xml><?xml version="1.0" encoding="utf-8"?>
+<p:sld xmlns:a="http://schemas.openxmlformats.org/drawingml/2006/main" xmlns:r="http://schemas.openxmlformats.org/officeDocument/2006/relationships" xmlns:p="http://schemas.openxmlformats.org/presentationml/2006/main">
+  <p:cSld>
+    <p:spTree>
+      <p:nvGrpSpPr>
+        <p:cNvPr id="1" name=""/>
+        <p:cNvGrpSpPr/>
+        <p:nvPr/>
+      </p:nvGrpSpPr>
+      <p:grpSpPr>
+        <a:xfrm>
+          <a:off x="0" y="0"/>
+          <a:ext cx="0" cy="0"/>
+          <a:chOff x="0" y="0"/>
+          <a:chExt cx="0" cy="0"/>
+        </a:xfrm>
+      </p:grpSpPr>
+      <p:sp>
+        <p:nvSpPr>
+          <p:cNvPr id="2" name="标题 1">
+            <a:extLst>
+              <a:ext uri="{FF2B5EF4-FFF2-40B4-BE49-F238E27FC236}">
+                <a16:creationId xmlns:a16="http://schemas.microsoft.com/office/drawing/2014/main" id="{6482DA04-067E-F848-A924-6274935909DE}"/>
+              </a:ext>
+            </a:extLst>
+          </p:cNvPr>
+          <p:cNvSpPr>
+            <a:spLocks noGrp="1"/>
+          </p:cNvSpPr>
+          <p:nvPr>
+            <p:ph type="title"/>
+          </p:nvPr>
+        </p:nvSpPr>
+        <p:spPr/>
+        <p:txBody>
+          <a:bodyPr/>
+          <a:lstStyle/>
+          <a:p>
+            <a:r>
+              <a:rPr kumimoji="1" lang="en" altLang="zh-CN" dirty="0"/>
+              <a:t>What are property decorators?</a:t>
+            </a:r>
+            <a:endParaRPr kumimoji="1" lang="zh-CN" altLang="en-US" dirty="0"/>
+          </a:p>
+        </p:txBody>
+      </p:sp>
+      <p:sp>
+        <p:nvSpPr>
+          <p:cNvPr id="3" name="内容占位符 2">
+            <a:extLst>
+              <a:ext uri="{FF2B5EF4-FFF2-40B4-BE49-F238E27FC236}">
+                <a16:creationId xmlns:a16="http://schemas.microsoft.com/office/drawing/2014/main" id="{730449E9-3708-EA49-840C-189644FDBF12}"/>
+              </a:ext>
+            </a:extLst>
+          </p:cNvPr>
+          <p:cNvSpPr>
+            <a:spLocks noGrp="1"/>
+          </p:cNvSpPr>
+          <p:nvPr>
+            <p:ph idx="1"/>
+          </p:nvPr>
+        </p:nvSpPr>
+        <p:spPr/>
+        <p:txBody>
+          <a:bodyPr/>
+          <a:lstStyle/>
+          <a:p>
+            <a:r>
+              <a:rPr lang="en" altLang="zh-CN" b="0" i="0" dirty="0">
+                <a:solidFill>
+                  <a:srgbClr val="000000"/>
+                </a:solidFill>
+                <a:effectLst/>
+                <a:latin typeface="Source Sans Pro" panose="020B0503030403020204" pitchFamily="34" charset="0"/>
+              </a:rPr>
+              <a:t>Property Decorators are applied to the properties of the class.</a:t>
+            </a:r>
+          </a:p>
+          <a:p>
+            <a:pPr algn="l" fontAlgn="base">
+              <a:buFont typeface="Arial" panose="020B0604020202020204" pitchFamily="34" charset="0"/>
+              <a:buChar char="•"/>
+            </a:pPr>
+            <a:r>
+              <a:rPr lang="en" altLang="zh-CN" b="0" i="0" u="none" strike="noStrike" dirty="0">
+                <a:solidFill>
+                  <a:srgbClr val="000000"/>
+                </a:solidFill>
+                <a:effectLst/>
+                <a:latin typeface="Source Sans Pro" panose="020B0503030403020204" pitchFamily="34" charset="0"/>
+                <a:hlinkClick r:id="rId2"/>
+              </a:rPr>
+              <a:t>@Input</a:t>
+            </a:r>
+            <a:r>
+              <a:rPr lang="en" altLang="zh-CN" dirty="0">
+                <a:solidFill>
+                  <a:srgbClr val="000000"/>
+                </a:solidFill>
+                <a:latin typeface="Source Sans Pro" panose="020B0503030403020204" pitchFamily="34" charset="0"/>
+              </a:rPr>
+              <a:t> </a:t>
+            </a:r>
+            <a:r>
+              <a:rPr lang="en" altLang="zh-CN" b="0" i="0" u="none" strike="noStrike" dirty="0">
+                <a:solidFill>
+                  <a:srgbClr val="000000"/>
+                </a:solidFill>
+                <a:effectLst/>
+                <a:latin typeface="Source Sans Pro" panose="020B0503030403020204" pitchFamily="34" charset="0"/>
+                <a:hlinkClick r:id="rId3"/>
+              </a:rPr>
+              <a:t>@Output</a:t>
+            </a:r>
+            <a:r>
+              <a:rPr lang="en" altLang="zh-CN" dirty="0">
+                <a:solidFill>
+                  <a:srgbClr val="000000"/>
+                </a:solidFill>
+                <a:latin typeface="Source Sans Pro" panose="020B0503030403020204" pitchFamily="34" charset="0"/>
+              </a:rPr>
+              <a:t> </a:t>
+            </a:r>
+            <a:r>
+              <a:rPr lang="en" altLang="zh-CN" b="0" i="0" u="none" strike="noStrike" dirty="0">
+                <a:solidFill>
+                  <a:srgbClr val="000000"/>
+                </a:solidFill>
+                <a:effectLst/>
+                <a:latin typeface="Source Sans Pro" panose="020B0503030403020204" pitchFamily="34" charset="0"/>
+                <a:hlinkClick r:id="rId4"/>
+              </a:rPr>
+              <a:t>@ContentChild &amp; @ContentChildren</a:t>
+            </a:r>
+            <a:r>
+              <a:rPr lang="en" altLang="zh-CN" dirty="0">
+                <a:solidFill>
+                  <a:srgbClr val="000000"/>
+                </a:solidFill>
+                <a:latin typeface="Source Sans Pro" panose="020B0503030403020204" pitchFamily="34" charset="0"/>
+              </a:rPr>
+              <a:t> </a:t>
+            </a:r>
+            <a:r>
+              <a:rPr lang="en" altLang="zh-CN" b="0" i="0" u="none" strike="noStrike" dirty="0">
+                <a:solidFill>
+                  <a:srgbClr val="000000"/>
+                </a:solidFill>
+                <a:effectLst/>
+                <a:latin typeface="Source Sans Pro" panose="020B0503030403020204" pitchFamily="34" charset="0"/>
+                <a:hlinkClick r:id="rId5"/>
+              </a:rPr>
+              <a:t>@ViewChild &amp; @ViewChildren</a:t>
+            </a:r>
+            <a:r>
+              <a:rPr lang="en" altLang="zh-CN" dirty="0">
+                <a:solidFill>
+                  <a:srgbClr val="000000"/>
+                </a:solidFill>
+                <a:latin typeface="Source Sans Pro" panose="020B0503030403020204" pitchFamily="34" charset="0"/>
+              </a:rPr>
+              <a:t> </a:t>
+            </a:r>
+            <a:r>
+              <a:rPr lang="en" altLang="zh-CN" b="0" i="0" u="none" strike="noStrike" dirty="0">
+                <a:solidFill>
+                  <a:srgbClr val="000000"/>
+                </a:solidFill>
+                <a:effectLst/>
+                <a:latin typeface="Source Sans Pro" panose="020B0503030403020204" pitchFamily="34" charset="0"/>
+                <a:hlinkClick r:id="rId6"/>
+              </a:rPr>
+              <a:t>@HostBinding</a:t>
+            </a:r>
+            <a:endParaRPr lang="en" altLang="zh-CN" b="0" i="0" dirty="0">
+              <a:solidFill>
+                <a:srgbClr val="000000"/>
+              </a:solidFill>
+              <a:effectLst/>
+              <a:latin typeface="Source Sans Pro" panose="020B0503030403020204" pitchFamily="34" charset="0"/>
+            </a:endParaRPr>
+          </a:p>
+          <a:p>
+            <a:endParaRPr kumimoji="1" lang="zh-CN" altLang="en-US" dirty="0"/>
+          </a:p>
+        </p:txBody>
+      </p:sp>
+    </p:spTree>
+    <p:extLst>
+      <p:ext uri="{BB962C8B-B14F-4D97-AF65-F5344CB8AC3E}">
+        <p14:creationId xmlns:p14="http://schemas.microsoft.com/office/powerpoint/2010/main" val="3341729326"/>
+      </p:ext>
+    </p:extLst>
+  </p:cSld>
+  <p:clrMapOvr>
+    <a:masterClrMapping/>
+  </p:clrMapOvr>
+</p:sld>
+</file>
+
+<file path=ppt/slides/slide12.xml><?xml version="1.0" encoding="utf-8"?>
+<p:sld xmlns:a="http://schemas.openxmlformats.org/drawingml/2006/main" xmlns:r="http://schemas.openxmlformats.org/officeDocument/2006/relationships" xmlns:p="http://schemas.openxmlformats.org/presentationml/2006/main">
+  <p:cSld>
+    <p:spTree>
+      <p:nvGrpSpPr>
+        <p:cNvPr id="1" name=""/>
+        <p:cNvGrpSpPr/>
+        <p:nvPr/>
+      </p:nvGrpSpPr>
+      <p:grpSpPr>
+        <a:xfrm>
+          <a:off x="0" y="0"/>
+          <a:ext cx="0" cy="0"/>
+          <a:chOff x="0" y="0"/>
+          <a:chExt cx="0" cy="0"/>
+        </a:xfrm>
+      </p:grpSpPr>
+      <p:sp>
+        <p:nvSpPr>
+          <p:cNvPr id="2" name="标题 1">
+            <a:extLst>
+              <a:ext uri="{FF2B5EF4-FFF2-40B4-BE49-F238E27FC236}">
+                <a16:creationId xmlns:a16="http://schemas.microsoft.com/office/drawing/2014/main" id="{212C15C1-AD41-F94F-ABC8-B20564A12D6F}"/>
+              </a:ext>
+            </a:extLst>
+          </p:cNvPr>
+          <p:cNvSpPr>
+            <a:spLocks noGrp="1"/>
+          </p:cNvSpPr>
+          <p:nvPr>
+            <p:ph type="title"/>
+          </p:nvPr>
+        </p:nvSpPr>
+        <p:spPr/>
+        <p:txBody>
+          <a:bodyPr>
+            <a:normAutofit/>
+          </a:bodyPr>
+          <a:lstStyle/>
+          <a:p>
+            <a:r>
+              <a:rPr kumimoji="1" lang="en" altLang="zh-CN" dirty="0"/>
+              <a:t>What is the Component Decorator in Angular?</a:t>
+            </a:r>
+            <a:endParaRPr kumimoji="1" lang="zh-CN" altLang="en-US" dirty="0"/>
+          </a:p>
+        </p:txBody>
+      </p:sp>
+      <p:sp>
+        <p:nvSpPr>
+          <p:cNvPr id="3" name="内容占位符 2">
+            <a:extLst>
+              <a:ext uri="{FF2B5EF4-FFF2-40B4-BE49-F238E27FC236}">
+                <a16:creationId xmlns:a16="http://schemas.microsoft.com/office/drawing/2014/main" id="{4489F7A9-B9FC-1042-857A-3E9BCF77CA9F}"/>
+              </a:ext>
+            </a:extLst>
+          </p:cNvPr>
+          <p:cNvSpPr>
+            <a:spLocks noGrp="1"/>
+          </p:cNvSpPr>
+          <p:nvPr>
+            <p:ph idx="1"/>
+          </p:nvPr>
+        </p:nvSpPr>
+        <p:spPr/>
+        <p:txBody>
+          <a:bodyPr/>
+          <a:lstStyle/>
+          <a:p>
+            <a:endParaRPr kumimoji="1" lang="zh-CN" altLang="en-US"/>
+          </a:p>
+        </p:txBody>
+      </p:sp>
+    </p:spTree>
+    <p:extLst>
+      <p:ext uri="{BB962C8B-B14F-4D97-AF65-F5344CB8AC3E}">
+        <p14:creationId xmlns:p14="http://schemas.microsoft.com/office/powerpoint/2010/main" val="1297672439"/>
+      </p:ext>
+    </p:extLst>
+  </p:cSld>
+  <p:clrMapOvr>
+    <a:masterClrMapping/>
+  </p:clrMapOvr>
+</p:sld>
+</file>
+
+<file path=ppt/slides/slide13.xml><?xml version="1.0" encoding="utf-8"?>
+<p:sld xmlns:a="http://schemas.openxmlformats.org/drawingml/2006/main" xmlns:r="http://schemas.openxmlformats.org/officeDocument/2006/relationships" xmlns:p="http://schemas.openxmlformats.org/presentationml/2006/main">
+  <p:cSld>
+    <p:spTree>
+      <p:nvGrpSpPr>
+        <p:cNvPr id="1" name=""/>
+        <p:cNvGrpSpPr/>
+        <p:nvPr/>
+      </p:nvGrpSpPr>
+      <p:grpSpPr>
+        <a:xfrm>
+          <a:off x="0" y="0"/>
+          <a:ext cx="0" cy="0"/>
+          <a:chOff x="0" y="0"/>
+          <a:chExt cx="0" cy="0"/>
+        </a:xfrm>
+      </p:grpSpPr>
+      <p:sp>
+        <p:nvSpPr>
+          <p:cNvPr id="2" name="标题 1">
+            <a:extLst>
+              <a:ext uri="{FF2B5EF4-FFF2-40B4-BE49-F238E27FC236}">
+                <a16:creationId xmlns:a16="http://schemas.microsoft.com/office/drawing/2014/main" id="{50089494-C73A-EC4C-AB72-6355C4B5B36B}"/>
+              </a:ext>
+            </a:extLst>
+          </p:cNvPr>
+          <p:cNvSpPr>
+            <a:spLocks noGrp="1"/>
+          </p:cNvSpPr>
+          <p:nvPr>
+            <p:ph type="title"/>
+          </p:nvPr>
+        </p:nvSpPr>
+        <p:spPr/>
+        <p:txBody>
+          <a:bodyPr>
+            <a:normAutofit/>
+          </a:bodyPr>
+          <a:lstStyle/>
+          <a:p>
+            <a:r>
+              <a:rPr kumimoji="1" lang="en" altLang="zh-CN" dirty="0"/>
+              <a:t>What are lifecycle hooks in Angular? Explain a few lifecycle hooks.</a:t>
+            </a:r>
+          </a:p>
+        </p:txBody>
+      </p:sp>
+      <p:sp>
+        <p:nvSpPr>
+          <p:cNvPr id="3" name="内容占位符 2">
+            <a:extLst>
+              <a:ext uri="{FF2B5EF4-FFF2-40B4-BE49-F238E27FC236}">
+                <a16:creationId xmlns:a16="http://schemas.microsoft.com/office/drawing/2014/main" id="{8A14D01E-8A0A-2E47-9228-98CF4A4B4BA4}"/>
+              </a:ext>
+            </a:extLst>
+          </p:cNvPr>
+          <p:cNvSpPr>
+            <a:spLocks noGrp="1"/>
+          </p:cNvSpPr>
+          <p:nvPr>
+            <p:ph idx="1"/>
+          </p:nvPr>
+        </p:nvSpPr>
+        <p:spPr/>
+        <p:txBody>
+          <a:bodyPr/>
+          <a:lstStyle/>
+          <a:p>
+            <a:endParaRPr kumimoji="1" lang="zh-CN" altLang="en-US"/>
+          </a:p>
+        </p:txBody>
+      </p:sp>
+    </p:spTree>
+    <p:extLst>
+      <p:ext uri="{BB962C8B-B14F-4D97-AF65-F5344CB8AC3E}">
+        <p14:creationId xmlns:p14="http://schemas.microsoft.com/office/powerpoint/2010/main" val="4087050434"/>
+      </p:ext>
+    </p:extLst>
+  </p:cSld>
+  <p:clrMapOvr>
+    <a:masterClrMapping/>
+  </p:clrMapOvr>
+</p:sld>
+</file>
+
+<file path=ppt/slides/slide14.xml><?xml version="1.0" encoding="utf-8"?>
+<p:sld xmlns:a="http://schemas.openxmlformats.org/drawingml/2006/main" xmlns:r="http://schemas.openxmlformats.org/officeDocument/2006/relationships" xmlns:p="http://schemas.openxmlformats.org/presentationml/2006/main">
+  <p:cSld>
+    <p:spTree>
+      <p:nvGrpSpPr>
+        <p:cNvPr id="1" name=""/>
+        <p:cNvGrpSpPr/>
+        <p:nvPr/>
+      </p:nvGrpSpPr>
+      <p:grpSpPr>
+        <a:xfrm>
+          <a:off x="0" y="0"/>
+          <a:ext cx="0" cy="0"/>
+          <a:chOff x="0" y="0"/>
+          <a:chExt cx="0" cy="0"/>
+        </a:xfrm>
+      </p:grpSpPr>
+      <p:sp>
+        <p:nvSpPr>
+          <p:cNvPr id="2" name="标题 1">
+            <a:extLst>
+              <a:ext uri="{FF2B5EF4-FFF2-40B4-BE49-F238E27FC236}">
+                <a16:creationId xmlns:a16="http://schemas.microsoft.com/office/drawing/2014/main" id="{39E33164-4C33-7347-91E9-AA710D91BF9A}"/>
+              </a:ext>
+            </a:extLst>
+          </p:cNvPr>
+          <p:cNvSpPr>
+            <a:spLocks noGrp="1"/>
+          </p:cNvSpPr>
+          <p:nvPr>
+            <p:ph type="title"/>
+          </p:nvPr>
+        </p:nvSpPr>
+        <p:spPr/>
+        <p:txBody>
+          <a:bodyPr/>
+          <a:lstStyle/>
+          <a:p>
+            <a:r>
+              <a:rPr kumimoji="1" lang="en" altLang="zh-CN" dirty="0"/>
+              <a:t>What are router links?</a:t>
+            </a:r>
+            <a:endParaRPr kumimoji="1" lang="zh-CN" altLang="en-US" dirty="0"/>
+          </a:p>
+        </p:txBody>
+      </p:sp>
+      <p:sp>
+        <p:nvSpPr>
+          <p:cNvPr id="3" name="内容占位符 2">
+            <a:extLst>
+              <a:ext uri="{FF2B5EF4-FFF2-40B4-BE49-F238E27FC236}">
+                <a16:creationId xmlns:a16="http://schemas.microsoft.com/office/drawing/2014/main" id="{6A3BD7EA-2B8F-0141-8096-7F94B07B4A18}"/>
+              </a:ext>
+            </a:extLst>
+          </p:cNvPr>
+          <p:cNvSpPr>
+            <a:spLocks noGrp="1"/>
+          </p:cNvSpPr>
+          <p:nvPr>
+            <p:ph idx="1"/>
+          </p:nvPr>
+        </p:nvSpPr>
+        <p:spPr/>
+        <p:txBody>
+          <a:bodyPr/>
+          <a:lstStyle/>
+          <a:p>
+            <a:endParaRPr kumimoji="1" lang="zh-CN" altLang="en-US"/>
+          </a:p>
+        </p:txBody>
+      </p:sp>
+    </p:spTree>
+    <p:extLst>
+      <p:ext uri="{BB962C8B-B14F-4D97-AF65-F5344CB8AC3E}">
+        <p14:creationId xmlns:p14="http://schemas.microsoft.com/office/powerpoint/2010/main" val="4114536480"/>
+      </p:ext>
+    </p:extLst>
+  </p:cSld>
+  <p:clrMapOvr>
+    <a:masterClrMapping/>
+  </p:clrMapOvr>
+</p:sld>
+</file>
+
+<file path=ppt/slides/slide15.xml><?xml version="1.0" encoding="utf-8"?>
+<p:sld xmlns:a="http://schemas.openxmlformats.org/drawingml/2006/main" xmlns:r="http://schemas.openxmlformats.org/officeDocument/2006/relationships" xmlns:p="http://schemas.openxmlformats.org/presentationml/2006/main">
+  <p:cSld>
+    <p:spTree>
+      <p:nvGrpSpPr>
+        <p:cNvPr id="1" name=""/>
+        <p:cNvGrpSpPr/>
+        <p:nvPr/>
+      </p:nvGrpSpPr>
+      <p:grpSpPr>
+        <a:xfrm>
+          <a:off x="0" y="0"/>
+          <a:ext cx="0" cy="0"/>
+          <a:chOff x="0" y="0"/>
+          <a:chExt cx="0" cy="0"/>
+        </a:xfrm>
+      </p:grpSpPr>
+      <p:sp>
+        <p:nvSpPr>
+          <p:cNvPr id="2" name="标题 1">
+            <a:extLst>
+              <a:ext uri="{FF2B5EF4-FFF2-40B4-BE49-F238E27FC236}">
+                <a16:creationId xmlns:a16="http://schemas.microsoft.com/office/drawing/2014/main" id="{AB3D0EBD-9AC9-2E40-8822-322DAC243380}"/>
+              </a:ext>
+            </a:extLst>
+          </p:cNvPr>
+          <p:cNvSpPr>
+            <a:spLocks noGrp="1"/>
+          </p:cNvSpPr>
+          <p:nvPr>
+            <p:ph type="title"/>
+          </p:nvPr>
+        </p:nvSpPr>
+        <p:spPr/>
+        <p:txBody>
+          <a:bodyPr/>
+          <a:lstStyle/>
+          <a:p>
+            <a:r>
+              <a:rPr kumimoji="1" lang="en" altLang="zh-CN" dirty="0"/>
+              <a:t>What exactly is the router state?</a:t>
+            </a:r>
+            <a:endParaRPr kumimoji="1" lang="zh-CN" altLang="en-US" dirty="0"/>
+          </a:p>
+        </p:txBody>
+      </p:sp>
+      <p:sp>
+        <p:nvSpPr>
+          <p:cNvPr id="3" name="内容占位符 2">
+            <a:extLst>
+              <a:ext uri="{FF2B5EF4-FFF2-40B4-BE49-F238E27FC236}">
+                <a16:creationId xmlns:a16="http://schemas.microsoft.com/office/drawing/2014/main" id="{A1187DB0-C442-3842-B1A5-6035EFA90CD4}"/>
+              </a:ext>
+            </a:extLst>
+          </p:cNvPr>
+          <p:cNvSpPr>
+            <a:spLocks noGrp="1"/>
+          </p:cNvSpPr>
+          <p:nvPr>
+            <p:ph idx="1"/>
+          </p:nvPr>
+        </p:nvSpPr>
+        <p:spPr/>
+        <p:txBody>
+          <a:bodyPr/>
+          <a:lstStyle/>
+          <a:p>
+            <a:endParaRPr kumimoji="1" lang="zh-CN" altLang="en-US"/>
+          </a:p>
+        </p:txBody>
+      </p:sp>
+    </p:spTree>
+    <p:extLst>
+      <p:ext uri="{BB962C8B-B14F-4D97-AF65-F5344CB8AC3E}">
+        <p14:creationId xmlns:p14="http://schemas.microsoft.com/office/powerpoint/2010/main" val="2665750887"/>
+      </p:ext>
+    </p:extLst>
+  </p:cSld>
+  <p:clrMapOvr>
+    <a:masterClrMapping/>
+  </p:clrMapOvr>
+</p:sld>
+</file>
+
+<file path=ppt/slides/slide16.xml><?xml version="1.0" encoding="utf-8"?>
+<p:sld xmlns:a="http://schemas.openxmlformats.org/drawingml/2006/main" xmlns:r="http://schemas.openxmlformats.org/officeDocument/2006/relationships" xmlns:p="http://schemas.openxmlformats.org/presentationml/2006/main">
+  <p:cSld>
+    <p:spTree>
+      <p:nvGrpSpPr>
+        <p:cNvPr id="1" name=""/>
+        <p:cNvGrpSpPr/>
+        <p:nvPr/>
+      </p:nvGrpSpPr>
+      <p:grpSpPr>
+        <a:xfrm>
+          <a:off x="0" y="0"/>
+          <a:ext cx="0" cy="0"/>
+          <a:chOff x="0" y="0"/>
+          <a:chExt cx="0" cy="0"/>
+        </a:xfrm>
+      </p:grpSpPr>
+      <p:sp>
+        <p:nvSpPr>
+          <p:cNvPr id="2" name="标题 1">
+            <a:extLst>
+              <a:ext uri="{FF2B5EF4-FFF2-40B4-BE49-F238E27FC236}">
+                <a16:creationId xmlns:a16="http://schemas.microsoft.com/office/drawing/2014/main" id="{5B9E1554-E5FC-D244-9A00-11F8A2BEBE42}"/>
+              </a:ext>
+            </a:extLst>
+          </p:cNvPr>
+          <p:cNvSpPr>
+            <a:spLocks noGrp="1"/>
+          </p:cNvSpPr>
+          <p:nvPr>
+            <p:ph type="title"/>
+          </p:nvPr>
+        </p:nvSpPr>
+        <p:spPr/>
+        <p:txBody>
+          <a:bodyPr/>
+          <a:lstStyle/>
+          <a:p>
+            <a:r>
+              <a:rPr kumimoji="1" lang="en" altLang="zh-CN" dirty="0"/>
+              <a:t>What does Angular Material means?</a:t>
+            </a:r>
+            <a:endParaRPr kumimoji="1" lang="zh-CN" altLang="en-US" dirty="0"/>
+          </a:p>
+        </p:txBody>
+      </p:sp>
+      <p:sp>
+        <p:nvSpPr>
+          <p:cNvPr id="3" name="内容占位符 2">
+            <a:extLst>
+              <a:ext uri="{FF2B5EF4-FFF2-40B4-BE49-F238E27FC236}">
+                <a16:creationId xmlns:a16="http://schemas.microsoft.com/office/drawing/2014/main" id="{56964032-4CE1-B245-8085-628BD5D32587}"/>
+              </a:ext>
+            </a:extLst>
+          </p:cNvPr>
+          <p:cNvSpPr>
+            <a:spLocks noGrp="1"/>
+          </p:cNvSpPr>
+          <p:nvPr>
+            <p:ph idx="1"/>
+          </p:nvPr>
+        </p:nvSpPr>
+        <p:spPr/>
+        <p:txBody>
+          <a:bodyPr/>
+          <a:lstStyle/>
+          <a:p>
+            <a:endParaRPr kumimoji="1" lang="zh-CN" altLang="en-US"/>
+          </a:p>
+        </p:txBody>
+      </p:sp>
+    </p:spTree>
+    <p:extLst>
+      <p:ext uri="{BB962C8B-B14F-4D97-AF65-F5344CB8AC3E}">
+        <p14:creationId xmlns:p14="http://schemas.microsoft.com/office/powerpoint/2010/main" val="3800367605"/>
+      </p:ext>
+    </p:extLst>
+  </p:cSld>
+  <p:clrMapOvr>
+    <a:masterClrMapping/>
+  </p:clrMapOvr>
+</p:sld>
+</file>
+
+<file path=ppt/slides/slide17.xml><?xml version="1.0" encoding="utf-8"?>
+<p:sld xmlns:a="http://schemas.openxmlformats.org/drawingml/2006/main" xmlns:r="http://schemas.openxmlformats.org/officeDocument/2006/relationships" xmlns:p="http://schemas.openxmlformats.org/presentationml/2006/main">
+  <p:cSld>
+    <p:spTree>
+      <p:nvGrpSpPr>
+        <p:cNvPr id="1" name=""/>
+        <p:cNvGrpSpPr/>
+        <p:nvPr/>
+      </p:nvGrpSpPr>
+      <p:grpSpPr>
+        <a:xfrm>
+          <a:off x="0" y="0"/>
+          <a:ext cx="0" cy="0"/>
+          <a:chOff x="0" y="0"/>
+          <a:chExt cx="0" cy="0"/>
+        </a:xfrm>
+      </p:grpSpPr>
+      <p:sp>
+        <p:nvSpPr>
+          <p:cNvPr id="2" name="标题 1">
+            <a:extLst>
+              <a:ext uri="{FF2B5EF4-FFF2-40B4-BE49-F238E27FC236}">
+                <a16:creationId xmlns:a16="http://schemas.microsoft.com/office/drawing/2014/main" id="{063C01DE-4112-0147-877A-08D56218EC9D}"/>
+              </a:ext>
+            </a:extLst>
+          </p:cNvPr>
+          <p:cNvSpPr>
+            <a:spLocks noGrp="1"/>
+          </p:cNvSpPr>
+          <p:nvPr>
+            <p:ph type="title"/>
+          </p:nvPr>
+        </p:nvSpPr>
+        <p:spPr/>
+        <p:txBody>
+          <a:bodyPr/>
+          <a:lstStyle/>
+          <a:p>
+            <a:r>
+              <a:rPr kumimoji="1" lang="en" altLang="zh-CN" dirty="0"/>
+              <a:t>What is </a:t>
+            </a:r>
+            <a:r>
+              <a:rPr kumimoji="1" lang="en" altLang="zh-CN" dirty="0" err="1"/>
+              <a:t>ngOnInit</a:t>
+            </a:r>
+            <a:r>
+              <a:rPr kumimoji="1" lang="en" altLang="zh-CN" dirty="0"/>
+              <a:t>?</a:t>
+            </a:r>
+            <a:endParaRPr kumimoji="1" lang="zh-CN" altLang="en-US" dirty="0"/>
+          </a:p>
+        </p:txBody>
+      </p:sp>
+      <p:sp>
+        <p:nvSpPr>
+          <p:cNvPr id="3" name="内容占位符 2">
+            <a:extLst>
+              <a:ext uri="{FF2B5EF4-FFF2-40B4-BE49-F238E27FC236}">
+                <a16:creationId xmlns:a16="http://schemas.microsoft.com/office/drawing/2014/main" id="{2468171F-D2BA-2E41-A307-6082C2AA90DD}"/>
+              </a:ext>
+            </a:extLst>
+          </p:cNvPr>
+          <p:cNvSpPr>
+            <a:spLocks noGrp="1"/>
+          </p:cNvSpPr>
+          <p:nvPr>
+            <p:ph idx="1"/>
+          </p:nvPr>
+        </p:nvSpPr>
+        <p:spPr/>
+        <p:txBody>
+          <a:bodyPr/>
+          <a:lstStyle/>
+          <a:p>
+            <a:endParaRPr kumimoji="1" lang="zh-CN" altLang="en-US"/>
+          </a:p>
+        </p:txBody>
+      </p:sp>
+    </p:spTree>
+    <p:extLst>
+      <p:ext uri="{BB962C8B-B14F-4D97-AF65-F5344CB8AC3E}">
+        <p14:creationId xmlns:p14="http://schemas.microsoft.com/office/powerpoint/2010/main" val="1304867597"/>
+      </p:ext>
+    </p:extLst>
+  </p:cSld>
+  <p:clrMapOvr>
+    <a:masterClrMapping/>
+  </p:clrMapOvr>
+</p:sld>
+</file>
+
+<file path=ppt/slides/slide18.xml><?xml version="1.0" encoding="utf-8"?>
+<p:sld xmlns:a="http://schemas.openxmlformats.org/drawingml/2006/main" xmlns:r="http://schemas.openxmlformats.org/officeDocument/2006/relationships" xmlns:p="http://schemas.openxmlformats.org/presentationml/2006/main">
+  <p:cSld>
+    <p:spTree>
+      <p:nvGrpSpPr>
+        <p:cNvPr id="1" name=""/>
+        <p:cNvGrpSpPr/>
+        <p:nvPr/>
+      </p:nvGrpSpPr>
+      <p:grpSpPr>
+        <a:xfrm>
+          <a:off x="0" y="0"/>
+          <a:ext cx="0" cy="0"/>
+          <a:chOff x="0" y="0"/>
+          <a:chExt cx="0" cy="0"/>
+        </a:xfrm>
+      </p:grpSpPr>
+      <p:sp>
+        <p:nvSpPr>
+          <p:cNvPr id="2" name="标题 1">
+            <a:extLst>
+              <a:ext uri="{FF2B5EF4-FFF2-40B4-BE49-F238E27FC236}">
+                <a16:creationId xmlns:a16="http://schemas.microsoft.com/office/drawing/2014/main" id="{E33D48C1-584F-6D46-9B8F-26EC416FA678}"/>
+              </a:ext>
+            </a:extLst>
+          </p:cNvPr>
+          <p:cNvSpPr>
+            <a:spLocks noGrp="1"/>
+          </p:cNvSpPr>
+          <p:nvPr>
+            <p:ph type="title"/>
+          </p:nvPr>
+        </p:nvSpPr>
+        <p:spPr/>
+        <p:txBody>
+          <a:bodyPr/>
+          <a:lstStyle/>
+          <a:p>
+            <a:r>
+              <a:rPr kumimoji="1" lang="en" altLang="zh-CN" dirty="0"/>
+              <a:t>What is </a:t>
+            </a:r>
+            <a:r>
+              <a:rPr kumimoji="1" lang="en" altLang="zh-CN" dirty="0" err="1"/>
+              <a:t>transpiling</a:t>
+            </a:r>
+            <a:r>
+              <a:rPr kumimoji="1" lang="en" altLang="zh-CN" dirty="0"/>
+              <a:t> in Angular ?</a:t>
+            </a:r>
+            <a:endParaRPr kumimoji="1" lang="zh-CN" altLang="en-US" dirty="0"/>
+          </a:p>
+        </p:txBody>
+      </p:sp>
+      <p:sp>
+        <p:nvSpPr>
+          <p:cNvPr id="3" name="内容占位符 2">
+            <a:extLst>
+              <a:ext uri="{FF2B5EF4-FFF2-40B4-BE49-F238E27FC236}">
+                <a16:creationId xmlns:a16="http://schemas.microsoft.com/office/drawing/2014/main" id="{E4108142-BB82-F64E-A6FF-6F47CD9E5870}"/>
+              </a:ext>
+            </a:extLst>
+          </p:cNvPr>
+          <p:cNvSpPr>
+            <a:spLocks noGrp="1"/>
+          </p:cNvSpPr>
+          <p:nvPr>
+            <p:ph idx="1"/>
+          </p:nvPr>
+        </p:nvSpPr>
+        <p:spPr/>
+        <p:txBody>
+          <a:bodyPr/>
+          <a:lstStyle/>
+          <a:p>
+            <a:endParaRPr kumimoji="1" lang="zh-CN" altLang="en-US"/>
+          </a:p>
+        </p:txBody>
+      </p:sp>
+    </p:spTree>
+    <p:extLst>
+      <p:ext uri="{BB962C8B-B14F-4D97-AF65-F5344CB8AC3E}">
+        <p14:creationId xmlns:p14="http://schemas.microsoft.com/office/powerpoint/2010/main" val="2057916298"/>
+      </p:ext>
+    </p:extLst>
+  </p:cSld>
+  <p:clrMapOvr>
+    <a:masterClrMapping/>
+  </p:clrMapOvr>
+</p:sld>
+</file>
+
+<file path=ppt/slides/slide2.xml><?xml version="1.0" encoding="utf-8"?>
+<p:sld xmlns:a="http://schemas.openxmlformats.org/drawingml/2006/main" xmlns:r="http://schemas.openxmlformats.org/officeDocument/2006/relationships" xmlns:p="http://schemas.openxmlformats.org/presentationml/2006/main">
+  <p:cSld>
+    <p:spTree>
+      <p:nvGrpSpPr>
+        <p:cNvPr id="1" name=""/>
+        <p:cNvGrpSpPr/>
+        <p:nvPr/>
+      </p:nvGrpSpPr>
+      <p:grpSpPr>
+        <a:xfrm>
+          <a:off x="0" y="0"/>
+          <a:ext cx="0" cy="0"/>
+          <a:chOff x="0" y="0"/>
+          <a:chExt cx="0" cy="0"/>
+        </a:xfrm>
+      </p:grpSpPr>
+      <p:sp>
+        <p:nvSpPr>
+          <p:cNvPr id="2" name="标题 1">
+            <a:extLst>
+              <a:ext uri="{FF2B5EF4-FFF2-40B4-BE49-F238E27FC236}">
+                <a16:creationId xmlns:a16="http://schemas.microsoft.com/office/drawing/2014/main" id="{09A214DC-02B8-BD4A-8714-BE30BDEB7927}"/>
+              </a:ext>
+            </a:extLst>
+          </p:cNvPr>
+          <p:cNvSpPr>
+            <a:spLocks noGrp="1"/>
+          </p:cNvSpPr>
+          <p:nvPr>
+            <p:ph type="title"/>
+          </p:nvPr>
+        </p:nvSpPr>
+        <p:spPr/>
+        <p:txBody>
+          <a:bodyPr/>
+          <a:lstStyle/>
+          <a:p>
+            <a:r>
+              <a:rPr kumimoji="1" lang="en" altLang="zh-CN" dirty="0"/>
+              <a:t>What are </a:t>
+            </a:r>
+            <a:r>
+              <a:rPr kumimoji="1" lang="en" altLang="zh-CN" dirty="0" err="1"/>
+              <a:t>RxJs</a:t>
+            </a:r>
+            <a:r>
+              <a:rPr kumimoji="1" lang="en" altLang="zh-CN" dirty="0"/>
+              <a:t> in Angular ?</a:t>
+            </a:r>
+            <a:endParaRPr kumimoji="1" lang="zh-CN" altLang="en-US" dirty="0"/>
+          </a:p>
+        </p:txBody>
+      </p:sp>
+      <p:sp>
+        <p:nvSpPr>
+          <p:cNvPr id="3" name="内容占位符 2">
+            <a:extLst>
+              <a:ext uri="{FF2B5EF4-FFF2-40B4-BE49-F238E27FC236}">
+                <a16:creationId xmlns:a16="http://schemas.microsoft.com/office/drawing/2014/main" id="{F87911F3-8670-E442-A19E-A33B03D02684}"/>
+              </a:ext>
+            </a:extLst>
+          </p:cNvPr>
+          <p:cNvSpPr>
+            <a:spLocks noGrp="1"/>
+          </p:cNvSpPr>
+          <p:nvPr>
+            <p:ph idx="1"/>
+          </p:nvPr>
+        </p:nvSpPr>
+        <p:spPr/>
+        <p:txBody>
+          <a:bodyPr>
+            <a:normAutofit fontScale="77500" lnSpcReduction="20000"/>
+          </a:bodyPr>
+          <a:lstStyle/>
+          <a:p>
+            <a:pPr algn="l"/>
+            <a:r>
+              <a:rPr lang="en" altLang="zh-CN" b="0" i="0" dirty="0">
+                <a:effectLst/>
+                <a:latin typeface="Roboto" panose="02000000000000000000" pitchFamily="2" charset="0"/>
+              </a:rPr>
+              <a:t>Reactive programming is an asynchronous programming paradigm concerned with data streams and the propagation of change (</a:t>
+            </a:r>
+            <a:r>
+              <a:rPr lang="en" altLang="zh-CN" b="0" i="0" u="none" strike="noStrike" dirty="0">
+                <a:effectLst/>
+                <a:latin typeface="inherit"/>
+                <a:hlinkClick r:id="rId2">
+                  <a:extLst>
+                    <a:ext uri="{A12FA001-AC4F-418D-AE19-62706E023703}">
+                      <ahyp:hlinkClr xmlns:ahyp="http://schemas.microsoft.com/office/drawing/2018/hyperlinkcolor" val="tx"/>
+                    </a:ext>
+                  </a:extLst>
+                </a:hlinkClick>
+              </a:rPr>
+              <a:t>Wikipedia</a:t>
+            </a:r>
+            <a:r>
+              <a:rPr lang="en" altLang="zh-CN" b="0" i="0" dirty="0">
+                <a:effectLst/>
+                <a:latin typeface="Roboto" panose="02000000000000000000" pitchFamily="2" charset="0"/>
+              </a:rPr>
+              <a:t>). </a:t>
+            </a:r>
+            <a:r>
+              <a:rPr lang="en" altLang="zh-CN" b="0" i="0" dirty="0" err="1">
+                <a:effectLst/>
+                <a:latin typeface="Roboto" panose="02000000000000000000" pitchFamily="2" charset="0"/>
+              </a:rPr>
+              <a:t>RxJS</a:t>
+            </a:r>
+            <a:r>
+              <a:rPr lang="en" altLang="zh-CN" b="0" i="0" dirty="0">
+                <a:effectLst/>
+                <a:latin typeface="Roboto" panose="02000000000000000000" pitchFamily="2" charset="0"/>
+              </a:rPr>
+              <a:t> (Reactive Extensions for JavaScript) is a library for reactive programming using observables that makes it easier to compose asynchronous or callback-based code. See (</a:t>
+            </a:r>
+            <a:r>
+              <a:rPr lang="en" altLang="zh-CN" b="0" i="0" u="none" strike="noStrike" dirty="0">
+                <a:effectLst/>
+                <a:latin typeface="inherit"/>
+                <a:hlinkClick r:id="rId3">
+                  <a:extLst>
+                    <a:ext uri="{A12FA001-AC4F-418D-AE19-62706E023703}">
+                      <ahyp:hlinkClr xmlns:ahyp="http://schemas.microsoft.com/office/drawing/2018/hyperlinkcolor" val="tx"/>
+                    </a:ext>
+                  </a:extLst>
+                </a:hlinkClick>
+              </a:rPr>
+              <a:t>RxJS Docs</a:t>
+            </a:r>
+            <a:r>
+              <a:rPr lang="en" altLang="zh-CN" b="0" i="0" dirty="0">
+                <a:effectLst/>
+                <a:latin typeface="Roboto" panose="02000000000000000000" pitchFamily="2" charset="0"/>
+              </a:rPr>
+              <a:t>).</a:t>
+            </a:r>
+          </a:p>
+          <a:p>
+            <a:pPr algn="l"/>
+            <a:r>
+              <a:rPr lang="en" altLang="zh-CN" b="0" i="0" dirty="0" err="1">
+                <a:effectLst/>
+                <a:latin typeface="Roboto" panose="02000000000000000000" pitchFamily="2" charset="0"/>
+              </a:rPr>
+              <a:t>RxJS</a:t>
+            </a:r>
+            <a:r>
+              <a:rPr lang="en" altLang="zh-CN" b="0" i="0" dirty="0">
+                <a:effectLst/>
+                <a:latin typeface="Roboto" panose="02000000000000000000" pitchFamily="2" charset="0"/>
+              </a:rPr>
+              <a:t> provides an implementation of the Observable type, which is needed until the type becomes part of the language and until browsers support it. The library also provides utility functions for creating and working with observables. These utility functions can be used for:</a:t>
+            </a:r>
+          </a:p>
+          <a:p>
+            <a:pPr algn="l">
+              <a:buFont typeface="Arial" panose="020B0604020202020204" pitchFamily="34" charset="0"/>
+              <a:buChar char="•"/>
+            </a:pPr>
+            <a:r>
+              <a:rPr lang="en" altLang="zh-CN" b="0" i="0" dirty="0">
+                <a:effectLst/>
+                <a:latin typeface="inherit"/>
+              </a:rPr>
+              <a:t>Converting existing code for async operations into observables</a:t>
+            </a:r>
+          </a:p>
+          <a:p>
+            <a:pPr algn="l">
+              <a:buFont typeface="Arial" panose="020B0604020202020204" pitchFamily="34" charset="0"/>
+              <a:buChar char="•"/>
+            </a:pPr>
+            <a:r>
+              <a:rPr lang="en" altLang="zh-CN" b="0" i="0" dirty="0">
+                <a:effectLst/>
+                <a:latin typeface="inherit"/>
+              </a:rPr>
+              <a:t>Iterating through the values in a stream</a:t>
+            </a:r>
+          </a:p>
+          <a:p>
+            <a:pPr algn="l">
+              <a:buFont typeface="Arial" panose="020B0604020202020204" pitchFamily="34" charset="0"/>
+              <a:buChar char="•"/>
+            </a:pPr>
+            <a:r>
+              <a:rPr lang="en" altLang="zh-CN" b="0" i="0" dirty="0">
+                <a:effectLst/>
+                <a:latin typeface="inherit"/>
+              </a:rPr>
+              <a:t>Mapping values to different types</a:t>
+            </a:r>
+          </a:p>
+          <a:p>
+            <a:pPr algn="l">
+              <a:buFont typeface="Arial" panose="020B0604020202020204" pitchFamily="34" charset="0"/>
+              <a:buChar char="•"/>
+            </a:pPr>
+            <a:r>
+              <a:rPr lang="en" altLang="zh-CN" b="0" i="0" dirty="0">
+                <a:effectLst/>
+                <a:latin typeface="inherit"/>
+              </a:rPr>
+              <a:t>Filtering streams</a:t>
+            </a:r>
+          </a:p>
+          <a:p>
+            <a:pPr algn="l">
+              <a:buFont typeface="Arial" panose="020B0604020202020204" pitchFamily="34" charset="0"/>
+              <a:buChar char="•"/>
+            </a:pPr>
+            <a:r>
+              <a:rPr lang="en" altLang="zh-CN" b="0" i="0" dirty="0">
+                <a:effectLst/>
+                <a:latin typeface="inherit"/>
+              </a:rPr>
+              <a:t>Composing multiple streams</a:t>
+            </a:r>
+          </a:p>
+          <a:p>
+            <a:endParaRPr kumimoji="1" lang="zh-CN" altLang="en-US" dirty="0"/>
+          </a:p>
+        </p:txBody>
+      </p:sp>
+    </p:spTree>
+    <p:extLst>
+      <p:ext uri="{BB962C8B-B14F-4D97-AF65-F5344CB8AC3E}">
+        <p14:creationId xmlns:p14="http://schemas.microsoft.com/office/powerpoint/2010/main" val="3682654260"/>
+      </p:ext>
+    </p:extLst>
+  </p:cSld>
+  <p:clrMapOvr>
+    <a:masterClrMapping/>
+  </p:clrMapOvr>
+</p:sld>
+</file>
+
+<file path=ppt/slides/slide3.xml><?xml version="1.0" encoding="utf-8"?>
+<p:sld xmlns:a="http://schemas.openxmlformats.org/drawingml/2006/main" xmlns:r="http://schemas.openxmlformats.org/officeDocument/2006/relationships" xmlns:p="http://schemas.openxmlformats.org/presentationml/2006/main">
+  <p:cSld>
+    <p:spTree>
+      <p:nvGrpSpPr>
+        <p:cNvPr id="1" name=""/>
+        <p:cNvGrpSpPr/>
+        <p:nvPr/>
+      </p:nvGrpSpPr>
+      <p:grpSpPr>
+        <a:xfrm>
+          <a:off x="0" y="0"/>
+          <a:ext cx="0" cy="0"/>
+          <a:chOff x="0" y="0"/>
+          <a:chExt cx="0" cy="0"/>
+        </a:xfrm>
+      </p:grpSpPr>
+      <p:sp>
+        <p:nvSpPr>
+          <p:cNvPr id="2" name="标题 1">
+            <a:extLst>
+              <a:ext uri="{FF2B5EF4-FFF2-40B4-BE49-F238E27FC236}">
+                <a16:creationId xmlns:a16="http://schemas.microsoft.com/office/drawing/2014/main" id="{B99ADA73-5770-2846-A2CC-00B0DD0F601B}"/>
+              </a:ext>
+            </a:extLst>
+          </p:cNvPr>
+          <p:cNvSpPr>
+            <a:spLocks noGrp="1"/>
+          </p:cNvSpPr>
+          <p:nvPr>
+            <p:ph type="title"/>
+          </p:nvPr>
+        </p:nvSpPr>
+        <p:spPr/>
+        <p:txBody>
+          <a:bodyPr>
+            <a:normAutofit/>
+          </a:bodyPr>
+          <a:lstStyle/>
+          <a:p>
+            <a:r>
+              <a:rPr kumimoji="1" lang="en" altLang="zh-CN" dirty="0"/>
+              <a:t>Explain string interpolation and property binding in Angular.</a:t>
+            </a:r>
+            <a:endParaRPr kumimoji="1" lang="zh-CN" altLang="en-US" dirty="0"/>
+          </a:p>
+        </p:txBody>
+      </p:sp>
+      <p:sp>
+        <p:nvSpPr>
+          <p:cNvPr id="3" name="内容占位符 2">
+            <a:extLst>
+              <a:ext uri="{FF2B5EF4-FFF2-40B4-BE49-F238E27FC236}">
+                <a16:creationId xmlns:a16="http://schemas.microsoft.com/office/drawing/2014/main" id="{A637780C-D83D-F64E-B6FF-8C87624E1B3B}"/>
+              </a:ext>
+            </a:extLst>
+          </p:cNvPr>
+          <p:cNvSpPr>
+            <a:spLocks noGrp="1"/>
+          </p:cNvSpPr>
+          <p:nvPr>
+            <p:ph idx="1"/>
+          </p:nvPr>
+        </p:nvSpPr>
+        <p:spPr/>
+        <p:txBody>
+          <a:bodyPr>
+            <a:normAutofit fontScale="92500" lnSpcReduction="20000"/>
+          </a:bodyPr>
+          <a:lstStyle/>
+          <a:p>
+            <a:r>
+              <a:rPr lang="en" altLang="zh-CN" b="0" i="0" dirty="0">
+                <a:effectLst/>
+                <a:latin typeface="Roboto" panose="02000000000000000000" pitchFamily="2" charset="0"/>
+              </a:rPr>
+              <a:t>Interpolation refers to embedding expressions into marked up text. By default, interpolation uses the double curly braces </a:t>
+            </a:r>
+            <a:r>
+              <a:rPr lang="en" altLang="zh-CN" dirty="0"/>
+              <a:t>{{</a:t>
+            </a:r>
+            <a:r>
+              <a:rPr lang="en" altLang="zh-CN" b="0" i="0" dirty="0">
+                <a:effectLst/>
+                <a:latin typeface="Roboto" panose="02000000000000000000" pitchFamily="2" charset="0"/>
+              </a:rPr>
+              <a:t> and </a:t>
+            </a:r>
+            <a:r>
+              <a:rPr lang="en" altLang="zh-CN" dirty="0"/>
+              <a:t>}}</a:t>
+            </a:r>
+            <a:r>
+              <a:rPr lang="en" altLang="zh-CN" b="0" i="0" dirty="0">
+                <a:effectLst/>
+                <a:latin typeface="Roboto" panose="02000000000000000000" pitchFamily="2" charset="0"/>
+              </a:rPr>
+              <a:t> as delimiters.</a:t>
+            </a:r>
+          </a:p>
+          <a:p>
+            <a:r>
+              <a:rPr lang="en" altLang="zh-CN" b="0" i="0" dirty="0">
+                <a:effectLst/>
+                <a:latin typeface="Roboto" panose="02000000000000000000" pitchFamily="2" charset="0"/>
+              </a:rPr>
+              <a:t>Property binding in Angular helps you set values for properties of HTML elements or directives. Use property binding to do things such as toggle button features, set paths programmatically, and share values between components.</a:t>
+            </a:r>
+          </a:p>
+          <a:p>
+            <a:pPr algn="l"/>
+            <a:r>
+              <a:rPr lang="en" altLang="zh-CN" b="0" i="0" dirty="0">
+                <a:effectLst/>
+                <a:latin typeface="Roboto" panose="02000000000000000000" pitchFamily="2" charset="0"/>
+              </a:rPr>
+              <a:t>To bind to an element's property, enclose it in square brackets, [], which identifies the property as a target property.</a:t>
+            </a:r>
+          </a:p>
+          <a:p>
+            <a:pPr algn="l"/>
+            <a:r>
+              <a:rPr lang="en" altLang="zh-CN" b="0" i="0" dirty="0">
+                <a:effectLst/>
+                <a:latin typeface="Roboto" panose="02000000000000000000" pitchFamily="2" charset="0"/>
+              </a:rPr>
+              <a:t>A target property is the DOM property to which you want to assign a value.</a:t>
+            </a:r>
+          </a:p>
+          <a:p>
+            <a:pPr algn="l"/>
+            <a:r>
+              <a:rPr lang="en" altLang="zh-CN" b="0" i="0" dirty="0">
+                <a:effectLst/>
+                <a:latin typeface="Roboto" panose="02000000000000000000" pitchFamily="2" charset="0"/>
+              </a:rPr>
+              <a:t>To assign a value to a target property for the image element's </a:t>
+            </a:r>
+            <a:r>
+              <a:rPr lang="en" altLang="zh-CN" b="0" i="0" dirty="0" err="1">
+                <a:effectLst/>
+                <a:latin typeface="Roboto" panose="02000000000000000000" pitchFamily="2" charset="0"/>
+              </a:rPr>
+              <a:t>src</a:t>
+            </a:r>
+            <a:r>
+              <a:rPr lang="en" altLang="zh-CN" b="0" i="0" dirty="0">
+                <a:effectLst/>
+                <a:latin typeface="Roboto" panose="02000000000000000000" pitchFamily="2" charset="0"/>
+              </a:rPr>
+              <a:t> property, type the following code:</a:t>
+            </a:r>
+          </a:p>
+          <a:p>
+            <a:endParaRPr kumimoji="1" lang="zh-CN" altLang="en-US" dirty="0"/>
+          </a:p>
+        </p:txBody>
+      </p:sp>
+      <p:pic>
+        <p:nvPicPr>
+          <p:cNvPr id="4" name="图片 3">
+            <a:extLst>
+              <a:ext uri="{FF2B5EF4-FFF2-40B4-BE49-F238E27FC236}">
+                <a16:creationId xmlns:a16="http://schemas.microsoft.com/office/drawing/2014/main" id="{A0FCE301-F2F1-9644-91D8-5E656334053B}"/>
+              </a:ext>
+            </a:extLst>
+          </p:cNvPr>
+          <p:cNvPicPr>
+            <a:picLocks noChangeAspect="1"/>
+          </p:cNvPicPr>
+          <p:nvPr/>
+        </p:nvPicPr>
+        <p:blipFill>
+          <a:blip r:embed="rId2"/>
+          <a:stretch>
+            <a:fillRect/>
+          </a:stretch>
+        </p:blipFill>
+        <p:spPr>
+          <a:xfrm>
+            <a:off x="6096000" y="6045200"/>
+            <a:ext cx="5029200" cy="711200"/>
+          </a:xfrm>
+          <a:prstGeom prst="rect">
+            <a:avLst/>
+          </a:prstGeom>
+        </p:spPr>
+      </p:pic>
+    </p:spTree>
+    <p:extLst>
+      <p:ext uri="{BB962C8B-B14F-4D97-AF65-F5344CB8AC3E}">
+        <p14:creationId xmlns:p14="http://schemas.microsoft.com/office/powerpoint/2010/main" val="432335890"/>
+      </p:ext>
+    </p:extLst>
+  </p:cSld>
+  <p:clrMapOvr>
+    <a:masterClrMapping/>
+  </p:clrMapOvr>
+</p:sld>
+</file>
+
+<file path=ppt/slides/slide4.xml><?xml version="1.0" encoding="utf-8"?>
+<p:sld xmlns:a="http://schemas.openxmlformats.org/drawingml/2006/main" xmlns:r="http://schemas.openxmlformats.org/officeDocument/2006/relationships" xmlns:p="http://schemas.openxmlformats.org/presentationml/2006/main">
+  <p:cSld>
+    <p:spTree>
+      <p:nvGrpSpPr>
+        <p:cNvPr id="1" name=""/>
+        <p:cNvGrpSpPr/>
+        <p:nvPr/>
+      </p:nvGrpSpPr>
+      <p:grpSpPr>
+        <a:xfrm>
+          <a:off x="0" y="0"/>
+          <a:ext cx="0" cy="0"/>
+          <a:chOff x="0" y="0"/>
+          <a:chExt cx="0" cy="0"/>
+        </a:xfrm>
+      </p:grpSpPr>
+      <p:sp>
+        <p:nvSpPr>
+          <p:cNvPr id="2" name="标题 1">
+            <a:extLst>
+              <a:ext uri="{FF2B5EF4-FFF2-40B4-BE49-F238E27FC236}">
+                <a16:creationId xmlns:a16="http://schemas.microsoft.com/office/drawing/2014/main" id="{31DA765E-8A2D-6E46-8E84-553526B4D8AE}"/>
+              </a:ext>
+            </a:extLst>
+          </p:cNvPr>
+          <p:cNvSpPr>
+            <a:spLocks noGrp="1"/>
+          </p:cNvSpPr>
+          <p:nvPr>
+            <p:ph type="title"/>
+          </p:nvPr>
+        </p:nvSpPr>
+        <p:spPr/>
+        <p:txBody>
+          <a:bodyPr>
+            <a:normAutofit/>
+          </a:bodyPr>
+          <a:lstStyle/>
+          <a:p>
+            <a:r>
+              <a:rPr kumimoji="1" lang="en" altLang="zh-CN" dirty="0"/>
+              <a:t>How are observables different from promises?</a:t>
+            </a:r>
+            <a:endParaRPr kumimoji="1" lang="zh-CN" altLang="en-US" dirty="0"/>
+          </a:p>
+        </p:txBody>
+      </p:sp>
+      <p:pic>
+        <p:nvPicPr>
+          <p:cNvPr id="4" name="内容占位符 3">
+            <a:extLst>
+              <a:ext uri="{FF2B5EF4-FFF2-40B4-BE49-F238E27FC236}">
+                <a16:creationId xmlns:a16="http://schemas.microsoft.com/office/drawing/2014/main" id="{C06CDB2B-E798-214F-9310-DE67C8AE9BAD}"/>
+              </a:ext>
+            </a:extLst>
+          </p:cNvPr>
+          <p:cNvPicPr>
+            <a:picLocks noGrp="1" noChangeAspect="1"/>
+          </p:cNvPicPr>
+          <p:nvPr>
+            <p:ph idx="1"/>
+          </p:nvPr>
+        </p:nvPicPr>
+        <p:blipFill>
+          <a:blip r:embed="rId3"/>
+          <a:stretch>
+            <a:fillRect/>
+          </a:stretch>
+        </p:blipFill>
+        <p:spPr>
+          <a:xfrm>
+            <a:off x="0" y="1858283"/>
+            <a:ext cx="6882563" cy="4351338"/>
+          </a:xfrm>
+          <a:prstGeom prst="rect">
+            <a:avLst/>
+          </a:prstGeom>
+        </p:spPr>
+      </p:pic>
+      <p:pic>
+        <p:nvPicPr>
+          <p:cNvPr id="5" name="图片 4">
+            <a:extLst>
+              <a:ext uri="{FF2B5EF4-FFF2-40B4-BE49-F238E27FC236}">
+                <a16:creationId xmlns:a16="http://schemas.microsoft.com/office/drawing/2014/main" id="{3DC9E8FA-DD3A-3142-95B0-2F1B4C850DA5}"/>
+              </a:ext>
+            </a:extLst>
+          </p:cNvPr>
+          <p:cNvPicPr>
+            <a:picLocks noChangeAspect="1"/>
+          </p:cNvPicPr>
+          <p:nvPr/>
+        </p:nvPicPr>
+        <p:blipFill>
+          <a:blip r:embed="rId4"/>
+          <a:stretch>
+            <a:fillRect/>
+          </a:stretch>
+        </p:blipFill>
+        <p:spPr>
+          <a:xfrm>
+            <a:off x="6882563" y="2042206"/>
+            <a:ext cx="5207654" cy="4167415"/>
+          </a:xfrm>
+          <a:prstGeom prst="rect">
+            <a:avLst/>
+          </a:prstGeom>
+        </p:spPr>
+      </p:pic>
+    </p:spTree>
+    <p:extLst>
+      <p:ext uri="{BB962C8B-B14F-4D97-AF65-F5344CB8AC3E}">
+        <p14:creationId xmlns:p14="http://schemas.microsoft.com/office/powerpoint/2010/main" val="2943392996"/>
+      </p:ext>
+    </p:extLst>
+  </p:cSld>
+  <p:clrMapOvr>
+    <a:masterClrMapping/>
+  </p:clrMapOvr>
+</p:sld>
+</file>
+
+<file path=ppt/slides/slide5.xml><?xml version="1.0" encoding="utf-8"?>
+<p:sld xmlns:a="http://schemas.openxmlformats.org/drawingml/2006/main" xmlns:r="http://schemas.openxmlformats.org/officeDocument/2006/relationships" xmlns:p="http://schemas.openxmlformats.org/presentationml/2006/main">
+  <p:cSld>
+    <p:spTree>
+      <p:nvGrpSpPr>
+        <p:cNvPr id="1" name=""/>
+        <p:cNvGrpSpPr/>
+        <p:nvPr/>
+      </p:nvGrpSpPr>
+      <p:grpSpPr>
+        <a:xfrm>
+          <a:off x="0" y="0"/>
+          <a:ext cx="0" cy="0"/>
+          <a:chOff x="0" y="0"/>
+          <a:chExt cx="0" cy="0"/>
+        </a:xfrm>
+      </p:grpSpPr>
+      <p:sp>
+        <p:nvSpPr>
+          <p:cNvPr id="2" name="标题 1">
+            <a:extLst>
+              <a:ext uri="{FF2B5EF4-FFF2-40B4-BE49-F238E27FC236}">
+                <a16:creationId xmlns:a16="http://schemas.microsoft.com/office/drawing/2014/main" id="{D7E7BC41-393F-6448-A32C-1D8FD7D6E0A1}"/>
+              </a:ext>
+            </a:extLst>
+          </p:cNvPr>
+          <p:cNvSpPr>
+            <a:spLocks noGrp="1"/>
+          </p:cNvSpPr>
+          <p:nvPr>
+            <p:ph type="title"/>
+          </p:nvPr>
+        </p:nvSpPr>
+        <p:spPr/>
+        <p:txBody>
+          <a:bodyPr>
+            <a:normAutofit/>
+          </a:bodyPr>
+          <a:lstStyle/>
+          <a:p>
+            <a:r>
+              <a:rPr kumimoji="1" lang="en" altLang="zh-CN" dirty="0"/>
+              <a:t>Explain the concept of Dependency Injection?</a:t>
+            </a:r>
+            <a:endParaRPr kumimoji="1" lang="zh-CN" altLang="en-US" dirty="0"/>
+          </a:p>
+        </p:txBody>
+      </p:sp>
+      <p:sp>
+        <p:nvSpPr>
+          <p:cNvPr id="3" name="内容占位符 2">
+            <a:extLst>
+              <a:ext uri="{FF2B5EF4-FFF2-40B4-BE49-F238E27FC236}">
+                <a16:creationId xmlns:a16="http://schemas.microsoft.com/office/drawing/2014/main" id="{D2C0F334-1352-3A48-9C5A-BC84677C7204}"/>
+              </a:ext>
+            </a:extLst>
+          </p:cNvPr>
+          <p:cNvSpPr>
+            <a:spLocks noGrp="1"/>
+          </p:cNvSpPr>
+          <p:nvPr>
+            <p:ph idx="1"/>
+          </p:nvPr>
+        </p:nvSpPr>
+        <p:spPr/>
+        <p:txBody>
+          <a:bodyPr>
+            <a:normAutofit lnSpcReduction="10000"/>
+          </a:bodyPr>
+          <a:lstStyle/>
+          <a:p>
+            <a:r>
+              <a:rPr lang="en" altLang="zh-CN" b="0" i="0" dirty="0">
+                <a:solidFill>
+                  <a:srgbClr val="4D4F53"/>
+                </a:solidFill>
+                <a:effectLst/>
+                <a:latin typeface="Montserrat" pitchFamily="2" charset="0"/>
+              </a:rPr>
+              <a:t>“In </a:t>
+            </a:r>
+            <a:r>
+              <a:rPr lang="en" altLang="zh-CN" b="1" i="0" dirty="0">
+                <a:solidFill>
+                  <a:srgbClr val="4D4F53"/>
+                </a:solidFill>
+                <a:effectLst/>
+                <a:latin typeface="Montserrat" pitchFamily="2" charset="0"/>
+              </a:rPr>
+              <a:t>software engineering, dependency injectio</a:t>
+            </a:r>
+            <a:r>
+              <a:rPr lang="en" altLang="zh-CN" b="0" i="0" dirty="0">
+                <a:solidFill>
+                  <a:srgbClr val="4D4F53"/>
+                </a:solidFill>
+                <a:effectLst/>
+                <a:latin typeface="Montserrat" pitchFamily="2" charset="0"/>
+              </a:rPr>
+              <a:t>n is a technique whereby one object supplies the dependencies of another object. A </a:t>
+            </a:r>
+            <a:r>
+              <a:rPr lang="en" altLang="zh-CN" b="1" i="0" dirty="0">
+                <a:solidFill>
+                  <a:srgbClr val="4D4F53"/>
+                </a:solidFill>
+                <a:effectLst/>
+                <a:latin typeface="Montserrat" pitchFamily="2" charset="0"/>
+              </a:rPr>
+              <a:t>‘dependency’ is an object that can be used, for example as a service</a:t>
+            </a:r>
+            <a:r>
+              <a:rPr lang="en" altLang="zh-CN" b="0" i="0" dirty="0">
+                <a:solidFill>
+                  <a:srgbClr val="4D4F53"/>
+                </a:solidFill>
+                <a:effectLst/>
+                <a:latin typeface="Montserrat" pitchFamily="2" charset="0"/>
+              </a:rPr>
+              <a:t>. Instead of a client specifying which service it will use, something tells the client what service to use. The ‘injection’ refers to the passing of a dependency (a service) into the object (a client) that would use it. The service is made part of the client's state. Passing the service to the client, rather than allowing a client to build or find the service, is the fundamental requirement of the pattern.” </a:t>
+            </a:r>
+            <a:endParaRPr kumimoji="1" lang="zh-CN" altLang="en-US" dirty="0"/>
+          </a:p>
+        </p:txBody>
+      </p:sp>
+    </p:spTree>
+    <p:extLst>
+      <p:ext uri="{BB962C8B-B14F-4D97-AF65-F5344CB8AC3E}">
+        <p14:creationId xmlns:p14="http://schemas.microsoft.com/office/powerpoint/2010/main" val="142947"/>
+      </p:ext>
+    </p:extLst>
+  </p:cSld>
+  <p:clrMapOvr>
+    <a:masterClrMapping/>
+  </p:clrMapOvr>
+</p:sld>
+</file>
+
+<file path=ppt/slides/slide6.xml><?xml version="1.0" encoding="utf-8"?>
+<p:sld xmlns:a="http://schemas.openxmlformats.org/drawingml/2006/main" xmlns:r="http://schemas.openxmlformats.org/officeDocument/2006/relationships" xmlns:p="http://schemas.openxmlformats.org/presentationml/2006/main">
+  <p:cSld>
+    <p:spTree>
+      <p:nvGrpSpPr>
+        <p:cNvPr id="1" name=""/>
+        <p:cNvGrpSpPr/>
+        <p:nvPr/>
+      </p:nvGrpSpPr>
+      <p:grpSpPr>
+        <a:xfrm>
+          <a:off x="0" y="0"/>
+          <a:ext cx="0" cy="0"/>
+          <a:chOff x="0" y="0"/>
+          <a:chExt cx="0" cy="0"/>
+        </a:xfrm>
+      </p:grpSpPr>
+      <p:sp>
+        <p:nvSpPr>
+          <p:cNvPr id="2" name="标题 1">
+            <a:extLst>
+              <a:ext uri="{FF2B5EF4-FFF2-40B4-BE49-F238E27FC236}">
+                <a16:creationId xmlns:a16="http://schemas.microsoft.com/office/drawing/2014/main" id="{107D0757-BD10-054B-8502-1D210B673687}"/>
+              </a:ext>
+            </a:extLst>
+          </p:cNvPr>
+          <p:cNvSpPr>
+            <a:spLocks noGrp="1"/>
+          </p:cNvSpPr>
+          <p:nvPr>
+            <p:ph type="title"/>
+          </p:nvPr>
+        </p:nvSpPr>
+        <p:spPr/>
+        <p:txBody>
+          <a:bodyPr>
+            <a:normAutofit/>
+          </a:bodyPr>
+          <a:lstStyle/>
+          <a:p>
+            <a:r>
+              <a:rPr kumimoji="1" lang="en" altLang="zh-CN" dirty="0"/>
+              <a:t>What are pipes in Angular explain with an example?</a:t>
+            </a:r>
+            <a:endParaRPr kumimoji="1" lang="zh-CN" altLang="en-US" dirty="0"/>
+          </a:p>
+        </p:txBody>
+      </p:sp>
+      <p:sp>
+        <p:nvSpPr>
+          <p:cNvPr id="3" name="内容占位符 2">
+            <a:extLst>
+              <a:ext uri="{FF2B5EF4-FFF2-40B4-BE49-F238E27FC236}">
+                <a16:creationId xmlns:a16="http://schemas.microsoft.com/office/drawing/2014/main" id="{D6EF55C5-FFE5-AB47-AB7B-94FC1360170F}"/>
+              </a:ext>
+            </a:extLst>
+          </p:cNvPr>
+          <p:cNvSpPr>
+            <a:spLocks noGrp="1"/>
+          </p:cNvSpPr>
+          <p:nvPr>
+            <p:ph idx="1"/>
+          </p:nvPr>
+        </p:nvSpPr>
+        <p:spPr>
+          <a:xfrm>
+            <a:off x="838200" y="1825625"/>
+            <a:ext cx="10515600" cy="4847318"/>
+          </a:xfrm>
+        </p:spPr>
+        <p:txBody>
+          <a:bodyPr/>
+          <a:lstStyle/>
+          <a:p>
+            <a:r>
+              <a:rPr lang="en" altLang="zh-CN" b="0" i="0" dirty="0">
+                <a:effectLst/>
+                <a:latin typeface="Roboto" panose="02000000000000000000" pitchFamily="2" charset="0"/>
+              </a:rPr>
+              <a:t>Use </a:t>
+            </a:r>
+            <a:r>
+              <a:rPr lang="en" altLang="zh-CN" b="0" i="0" u="none" strike="noStrike" dirty="0">
+                <a:effectLst/>
+                <a:latin typeface="Roboto" panose="02000000000000000000" pitchFamily="2" charset="0"/>
+                <a:hlinkClick r:id="rId2" tooltip="Definition of a pipe">
+                  <a:extLst>
+                    <a:ext uri="{A12FA001-AC4F-418D-AE19-62706E023703}">
+                      <ahyp:hlinkClr xmlns:ahyp="http://schemas.microsoft.com/office/drawing/2018/hyperlinkcolor" val="tx"/>
+                    </a:ext>
+                  </a:extLst>
+                </a:hlinkClick>
+              </a:rPr>
+              <a:t>pipes</a:t>
+            </a:r>
+            <a:r>
+              <a:rPr lang="en" altLang="zh-CN" b="0" i="0" dirty="0">
+                <a:effectLst/>
+                <a:latin typeface="Roboto" panose="02000000000000000000" pitchFamily="2" charset="0"/>
+              </a:rPr>
+              <a:t> to transform strings, currency amounts, dates, and other data for display. Pipes are simple functions to use in </a:t>
+            </a:r>
+            <a:r>
+              <a:rPr lang="en" altLang="zh-CN" b="0" i="0" u="none" strike="noStrike" dirty="0">
+                <a:effectLst/>
+                <a:latin typeface="Roboto" panose="02000000000000000000" pitchFamily="2" charset="0"/>
+                <a:hlinkClick r:id="rId3" tooltip="Definition of template expression">
+                  <a:extLst>
+                    <a:ext uri="{A12FA001-AC4F-418D-AE19-62706E023703}">
+                      <ahyp:hlinkClr xmlns:ahyp="http://schemas.microsoft.com/office/drawing/2018/hyperlinkcolor" val="tx"/>
+                    </a:ext>
+                  </a:extLst>
+                </a:hlinkClick>
+              </a:rPr>
+              <a:t>template expressions</a:t>
+            </a:r>
+            <a:r>
+              <a:rPr lang="en" altLang="zh-CN" b="0" i="0" dirty="0">
+                <a:effectLst/>
+                <a:latin typeface="Roboto" panose="02000000000000000000" pitchFamily="2" charset="0"/>
+              </a:rPr>
+              <a:t> to accept an input value and return a transformed value. Pipes are useful because you can use them throughout your application, while only declaring each pipe once. For example, you would use a pipe to show a date as April 15, 1988 rather than the raw string format.</a:t>
+            </a:r>
+          </a:p>
+          <a:p>
+            <a:r>
+              <a:rPr kumimoji="1" lang="en" altLang="zh-CN" dirty="0"/>
+              <a:t>&lt;p&gt;The hero's birthday is {{ birthday | date }}&lt;/p&gt;</a:t>
+            </a:r>
+          </a:p>
+          <a:p>
+            <a:r>
+              <a:rPr kumimoji="1" lang="en" altLang="zh-CN" dirty="0"/>
+              <a:t>&lt;p&gt;The hero's birthday is {{ birthday | </a:t>
+            </a:r>
+            <a:r>
+              <a:rPr kumimoji="1" lang="en" altLang="zh-CN" dirty="0" err="1"/>
+              <a:t>date:"MM</a:t>
+            </a:r>
+            <a:r>
+              <a:rPr kumimoji="1" lang="en" altLang="zh-CN" dirty="0"/>
+              <a:t>/dd/</a:t>
+            </a:r>
+            <a:r>
+              <a:rPr kumimoji="1" lang="en" altLang="zh-CN" dirty="0" err="1"/>
+              <a:t>yy</a:t>
+            </a:r>
+            <a:r>
+              <a:rPr kumimoji="1" lang="en" altLang="zh-CN" dirty="0"/>
+              <a:t>" }} &lt;/p&gt;</a:t>
+            </a:r>
+          </a:p>
+          <a:p>
+            <a:r>
+              <a:rPr kumimoji="1" lang="en" altLang="zh-CN" dirty="0"/>
+              <a:t>The chained hero's birthday is </a:t>
+            </a:r>
+            <a:br>
+              <a:rPr kumimoji="1" lang="en" altLang="zh-CN" dirty="0"/>
+            </a:br>
+            <a:r>
+              <a:rPr kumimoji="1" lang="en" altLang="zh-CN" dirty="0"/>
+              <a:t>{{ birthday | date | uppercase}}</a:t>
+            </a:r>
+            <a:endParaRPr kumimoji="1" lang="zh-CN" altLang="en-US" dirty="0"/>
+          </a:p>
+        </p:txBody>
+      </p:sp>
+    </p:spTree>
+    <p:extLst>
+      <p:ext uri="{BB962C8B-B14F-4D97-AF65-F5344CB8AC3E}">
+        <p14:creationId xmlns:p14="http://schemas.microsoft.com/office/powerpoint/2010/main" val="3308043253"/>
+      </p:ext>
+    </p:extLst>
+  </p:cSld>
+  <p:clrMapOvr>
+    <a:masterClrMapping/>
+  </p:clrMapOvr>
+</p:sld>
+</file>
+
+<file path=ppt/slides/slide7.xml><?xml version="1.0" encoding="utf-8"?>
+<p:sld xmlns:a="http://schemas.openxmlformats.org/drawingml/2006/main" xmlns:r="http://schemas.openxmlformats.org/officeDocument/2006/relationships" xmlns:p="http://schemas.openxmlformats.org/presentationml/2006/main">
+  <p:cSld>
+    <p:spTree>
+      <p:nvGrpSpPr>
+        <p:cNvPr id="1" name=""/>
+        <p:cNvGrpSpPr/>
+        <p:nvPr/>
+      </p:nvGrpSpPr>
+      <p:grpSpPr>
+        <a:xfrm>
+          <a:off x="0" y="0"/>
+          <a:ext cx="0" cy="0"/>
+          <a:chOff x="0" y="0"/>
+          <a:chExt cx="0" cy="0"/>
+        </a:xfrm>
+      </p:grpSpPr>
+      <p:sp>
+        <p:nvSpPr>
+          <p:cNvPr id="2" name="标题 1">
+            <a:extLst>
+              <a:ext uri="{FF2B5EF4-FFF2-40B4-BE49-F238E27FC236}">
+                <a16:creationId xmlns:a16="http://schemas.microsoft.com/office/drawing/2014/main" id="{107D0757-BD10-054B-8502-1D210B673687}"/>
+              </a:ext>
+            </a:extLst>
+          </p:cNvPr>
+          <p:cNvSpPr>
+            <a:spLocks noGrp="1"/>
+          </p:cNvSpPr>
+          <p:nvPr>
+            <p:ph type="title"/>
+          </p:nvPr>
+        </p:nvSpPr>
+        <p:spPr/>
+        <p:txBody>
+          <a:bodyPr>
+            <a:normAutofit/>
+          </a:bodyPr>
+          <a:lstStyle/>
+          <a:p>
+            <a:r>
+              <a:rPr kumimoji="1" lang="en" altLang="zh-CN" dirty="0"/>
+              <a:t>What are pipes in Angular explain with an example?</a:t>
+            </a:r>
+            <a:endParaRPr kumimoji="1" lang="zh-CN" altLang="en-US" dirty="0"/>
+          </a:p>
+        </p:txBody>
+      </p:sp>
+      <p:pic>
+        <p:nvPicPr>
+          <p:cNvPr id="4" name="内容占位符 3">
+            <a:extLst>
+              <a:ext uri="{FF2B5EF4-FFF2-40B4-BE49-F238E27FC236}">
+                <a16:creationId xmlns:a16="http://schemas.microsoft.com/office/drawing/2014/main" id="{CF14F3F6-5E6E-B348-B673-C61451110068}"/>
+              </a:ext>
+            </a:extLst>
+          </p:cNvPr>
+          <p:cNvPicPr>
+            <a:picLocks noGrp="1" noChangeAspect="1"/>
+          </p:cNvPicPr>
+          <p:nvPr>
+            <p:ph idx="1"/>
+          </p:nvPr>
+        </p:nvPicPr>
+        <p:blipFill>
+          <a:blip r:embed="rId2"/>
+          <a:stretch>
+            <a:fillRect/>
+          </a:stretch>
+        </p:blipFill>
+        <p:spPr>
+          <a:xfrm>
+            <a:off x="3260715" y="1093220"/>
+            <a:ext cx="8180171" cy="5590272"/>
+          </a:xfrm>
+          <a:prstGeom prst="rect">
+            <a:avLst/>
+          </a:prstGeom>
+        </p:spPr>
+      </p:pic>
+    </p:spTree>
+    <p:extLst>
+      <p:ext uri="{BB962C8B-B14F-4D97-AF65-F5344CB8AC3E}">
+        <p14:creationId xmlns:p14="http://schemas.microsoft.com/office/powerpoint/2010/main" val="3420175563"/>
+      </p:ext>
+    </p:extLst>
+  </p:cSld>
+  <p:clrMapOvr>
+    <a:masterClrMapping/>
+  </p:clrMapOvr>
+</p:sld>
+</file>
+
+<file path=ppt/slides/slide8.xml><?xml version="1.0" encoding="utf-8"?>
+<p:sld xmlns:a="http://schemas.openxmlformats.org/drawingml/2006/main" xmlns:r="http://schemas.openxmlformats.org/officeDocument/2006/relationships" xmlns:p="http://schemas.openxmlformats.org/presentationml/2006/main">
+  <p:cSld>
+    <p:spTree>
+      <p:nvGrpSpPr>
+        <p:cNvPr id="1" name=""/>
+        <p:cNvGrpSpPr/>
+        <p:nvPr/>
+      </p:nvGrpSpPr>
+      <p:grpSpPr>
+        <a:xfrm>
+          <a:off x="0" y="0"/>
+          <a:ext cx="0" cy="0"/>
+          <a:chOff x="0" y="0"/>
+          <a:chExt cx="0" cy="0"/>
+        </a:xfrm>
+      </p:grpSpPr>
+      <p:sp>
+        <p:nvSpPr>
+          <p:cNvPr id="2" name="标题 1">
+            <a:extLst>
+              <a:ext uri="{FF2B5EF4-FFF2-40B4-BE49-F238E27FC236}">
+                <a16:creationId xmlns:a16="http://schemas.microsoft.com/office/drawing/2014/main" id="{1341FCA7-384F-7A4E-958A-4C4D576B7137}"/>
+              </a:ext>
+            </a:extLst>
+          </p:cNvPr>
+          <p:cNvSpPr>
+            <a:spLocks noGrp="1"/>
+          </p:cNvSpPr>
+          <p:nvPr>
+            <p:ph type="title"/>
+          </p:nvPr>
+        </p:nvSpPr>
+        <p:spPr/>
+        <p:txBody>
+          <a:bodyPr/>
+          <a:lstStyle/>
+          <a:p>
+            <a:r>
+              <a:rPr kumimoji="1" lang="en" altLang="zh-CN" dirty="0"/>
+              <a:t>What exactly is a parameterized pipe?</a:t>
+            </a:r>
+            <a:endParaRPr kumimoji="1" lang="zh-CN" altLang="en-US" dirty="0"/>
+          </a:p>
+        </p:txBody>
+      </p:sp>
+      <p:sp>
+        <p:nvSpPr>
+          <p:cNvPr id="3" name="内容占位符 2">
+            <a:extLst>
+              <a:ext uri="{FF2B5EF4-FFF2-40B4-BE49-F238E27FC236}">
+                <a16:creationId xmlns:a16="http://schemas.microsoft.com/office/drawing/2014/main" id="{E9CA2DAE-5161-8249-815E-09C19AD2C508}"/>
+              </a:ext>
+            </a:extLst>
+          </p:cNvPr>
+          <p:cNvSpPr>
+            <a:spLocks noGrp="1"/>
+          </p:cNvSpPr>
+          <p:nvPr>
+            <p:ph idx="1"/>
+          </p:nvPr>
+        </p:nvSpPr>
+        <p:spPr/>
+        <p:txBody>
+          <a:bodyPr>
+            <a:normAutofit fontScale="92500" lnSpcReduction="10000"/>
+          </a:bodyPr>
+          <a:lstStyle/>
+          <a:p>
+            <a:r>
+              <a:rPr lang="en" altLang="zh-CN" b="0" i="0" dirty="0">
+                <a:effectLst/>
+                <a:latin typeface="arial" panose="020B0604020202020204" pitchFamily="34" charset="0"/>
+              </a:rPr>
+              <a:t>In Angular, we can pass any number of parameters to the pipe using a colon (:) and when we do so, it is called Angular Parameterized Pipes.</a:t>
+            </a:r>
+          </a:p>
+          <a:p>
+            <a:pPr algn="l" fontAlgn="base"/>
+            <a:r>
+              <a:rPr lang="en" altLang="zh-CN" b="1" i="0" dirty="0">
+                <a:effectLst/>
+                <a:latin typeface="inherit"/>
+              </a:rPr>
+              <a:t>&lt;p&gt;</a:t>
+            </a:r>
+            <a:r>
+              <a:rPr lang="en" altLang="zh-CN" b="0" i="0" dirty="0">
+                <a:effectLst/>
+                <a:latin typeface="inherit"/>
+              </a:rPr>
+              <a:t>Date Pipe : {{today | date}}</a:t>
+            </a:r>
+            <a:r>
+              <a:rPr lang="en" altLang="zh-CN" b="1" i="0" dirty="0">
+                <a:effectLst/>
+                <a:latin typeface="inherit"/>
+              </a:rPr>
+              <a:t>&lt;/p&gt;</a:t>
+            </a:r>
+            <a:endParaRPr lang="en" altLang="zh-CN" b="0" i="0" dirty="0">
+              <a:effectLst/>
+              <a:latin typeface="Inconsolata" panose="020F0502020204030204" pitchFamily="34" charset="0"/>
+            </a:endParaRPr>
+          </a:p>
+          <a:p>
+            <a:pPr algn="l" fontAlgn="base"/>
+            <a:r>
+              <a:rPr lang="en" altLang="zh-CN" b="1" i="0" dirty="0">
+                <a:effectLst/>
+                <a:latin typeface="inherit"/>
+              </a:rPr>
+              <a:t>&lt;p&gt;</a:t>
+            </a:r>
+            <a:r>
+              <a:rPr lang="en" altLang="zh-CN" b="0" i="0" dirty="0">
+                <a:effectLst/>
+                <a:latin typeface="inherit"/>
+              </a:rPr>
+              <a:t>Full Date : {{today | date:'</a:t>
+            </a:r>
+            <a:r>
+              <a:rPr lang="en" altLang="zh-CN" b="0" i="0" dirty="0" err="1">
+                <a:effectLst/>
+                <a:latin typeface="inherit"/>
+              </a:rPr>
+              <a:t>fullDate</a:t>
+            </a:r>
+            <a:r>
+              <a:rPr lang="en" altLang="zh-CN" b="0" i="0" dirty="0">
+                <a:effectLst/>
+                <a:latin typeface="inherit"/>
+              </a:rPr>
+              <a:t>'}}</a:t>
+            </a:r>
+            <a:r>
+              <a:rPr lang="en" altLang="zh-CN" b="1" i="0" dirty="0">
+                <a:effectLst/>
+                <a:latin typeface="inherit"/>
+              </a:rPr>
+              <a:t>&lt;/p&gt;</a:t>
+            </a:r>
+            <a:endParaRPr lang="en" altLang="zh-CN" b="0" i="0" dirty="0">
+              <a:effectLst/>
+              <a:latin typeface="Inconsolata" panose="020F0502020204030204" pitchFamily="34" charset="0"/>
+            </a:endParaRPr>
+          </a:p>
+          <a:p>
+            <a:pPr algn="l" fontAlgn="base"/>
+            <a:r>
+              <a:rPr lang="en" altLang="zh-CN" b="1" i="0" dirty="0">
+                <a:effectLst/>
+                <a:latin typeface="inherit"/>
+              </a:rPr>
+              <a:t>&lt;p&gt;</a:t>
+            </a:r>
+            <a:r>
+              <a:rPr lang="en" altLang="zh-CN" b="0" i="0" dirty="0">
+                <a:effectLst/>
+                <a:latin typeface="inherit"/>
+              </a:rPr>
+              <a:t>Mediate Date : {{today | </a:t>
+            </a:r>
+            <a:r>
+              <a:rPr lang="en" altLang="zh-CN" b="0" i="0" dirty="0" err="1">
+                <a:effectLst/>
+                <a:latin typeface="inherit"/>
+              </a:rPr>
+              <a:t>date:'medium</a:t>
+            </a:r>
+            <a:r>
+              <a:rPr lang="en" altLang="zh-CN" b="0" i="0" dirty="0">
+                <a:effectLst/>
+                <a:latin typeface="inherit"/>
+              </a:rPr>
+              <a:t>'}}</a:t>
+            </a:r>
+            <a:r>
+              <a:rPr lang="en" altLang="zh-CN" b="1" i="0" dirty="0">
+                <a:effectLst/>
+                <a:latin typeface="inherit"/>
+              </a:rPr>
+              <a:t>&lt;/p&gt;</a:t>
+            </a:r>
+            <a:endParaRPr lang="en" altLang="zh-CN" b="0" i="0" dirty="0">
+              <a:effectLst/>
+              <a:latin typeface="Inconsolata" panose="020F0502020204030204" pitchFamily="34" charset="0"/>
+            </a:endParaRPr>
+          </a:p>
+          <a:p>
+            <a:pPr algn="l" fontAlgn="base"/>
+            <a:r>
+              <a:rPr lang="en" altLang="zh-CN" b="1" i="0" dirty="0">
+                <a:effectLst/>
+                <a:latin typeface="inherit"/>
+              </a:rPr>
+              <a:t>&lt;p&gt;</a:t>
+            </a:r>
+            <a:r>
+              <a:rPr lang="en" altLang="zh-CN" b="0" i="0" dirty="0">
+                <a:effectLst/>
+                <a:latin typeface="inherit"/>
+              </a:rPr>
+              <a:t>Short Date : {{today | </a:t>
+            </a:r>
+            <a:r>
+              <a:rPr lang="en" altLang="zh-CN" b="0" i="0" dirty="0" err="1">
+                <a:effectLst/>
+                <a:latin typeface="inherit"/>
+              </a:rPr>
+              <a:t>date:'short</a:t>
+            </a:r>
+            <a:r>
+              <a:rPr lang="en" altLang="zh-CN" b="0" i="0" dirty="0">
+                <a:effectLst/>
+                <a:latin typeface="inherit"/>
+              </a:rPr>
+              <a:t>'}}</a:t>
+            </a:r>
+            <a:r>
+              <a:rPr lang="en" altLang="zh-CN" b="1" i="0" dirty="0">
+                <a:effectLst/>
+                <a:latin typeface="inherit"/>
+              </a:rPr>
+              <a:t>&lt;/p&gt;</a:t>
+            </a:r>
+            <a:endParaRPr lang="en" altLang="zh-CN" b="0" i="0" dirty="0">
+              <a:effectLst/>
+              <a:latin typeface="Inconsolata" panose="020F0502020204030204" pitchFamily="34" charset="0"/>
+            </a:endParaRPr>
+          </a:p>
+          <a:p>
+            <a:pPr algn="l" fontAlgn="base"/>
+            <a:r>
+              <a:rPr lang="en" altLang="zh-CN" b="1" i="0" dirty="0">
+                <a:effectLst/>
+                <a:latin typeface="inherit"/>
+              </a:rPr>
+              <a:t>&lt;p&gt;</a:t>
+            </a:r>
+            <a:r>
+              <a:rPr lang="en" altLang="zh-CN" b="0" i="0" dirty="0">
+                <a:effectLst/>
+                <a:latin typeface="inherit"/>
+              </a:rPr>
+              <a:t>Date (dd/MM/</a:t>
+            </a:r>
+            <a:r>
+              <a:rPr lang="en" altLang="zh-CN" b="0" i="0" dirty="0" err="1">
+                <a:effectLst/>
+                <a:latin typeface="inherit"/>
+              </a:rPr>
+              <a:t>yyyy</a:t>
+            </a:r>
+            <a:r>
+              <a:rPr lang="en" altLang="zh-CN" b="0" i="0" dirty="0">
+                <a:effectLst/>
+                <a:latin typeface="inherit"/>
+              </a:rPr>
+              <a:t>) : {{today | </a:t>
+            </a:r>
+            <a:r>
+              <a:rPr lang="en" altLang="zh-CN" b="0" i="0" dirty="0" err="1">
+                <a:effectLst/>
+                <a:latin typeface="inherit"/>
+              </a:rPr>
+              <a:t>date:'dd</a:t>
+            </a:r>
+            <a:r>
+              <a:rPr lang="en" altLang="zh-CN" b="0" i="0" dirty="0">
+                <a:effectLst/>
+                <a:latin typeface="inherit"/>
+              </a:rPr>
+              <a:t>/MM/</a:t>
+            </a:r>
+            <a:r>
+              <a:rPr lang="en" altLang="zh-CN" b="0" i="0" dirty="0" err="1">
+                <a:effectLst/>
+                <a:latin typeface="inherit"/>
+              </a:rPr>
+              <a:t>yyyy</a:t>
+            </a:r>
+            <a:r>
+              <a:rPr lang="en" altLang="zh-CN" b="0" i="0" dirty="0">
+                <a:effectLst/>
+                <a:latin typeface="inherit"/>
+              </a:rPr>
+              <a:t>'}}</a:t>
+            </a:r>
+            <a:r>
+              <a:rPr lang="en" altLang="zh-CN" b="1" i="0" dirty="0">
+                <a:effectLst/>
+                <a:latin typeface="inherit"/>
+              </a:rPr>
+              <a:t>&lt;/p&gt;</a:t>
+            </a:r>
+            <a:endParaRPr lang="en" altLang="zh-CN" b="0" i="0" dirty="0">
+              <a:effectLst/>
+              <a:latin typeface="Inconsolata" panose="020F0502020204030204" pitchFamily="34" charset="0"/>
+            </a:endParaRPr>
+          </a:p>
+          <a:p>
+            <a:pPr algn="l" fontAlgn="base"/>
+            <a:r>
+              <a:rPr lang="en" altLang="zh-CN" b="1" i="0" dirty="0">
+                <a:effectLst/>
+                <a:latin typeface="inherit"/>
+              </a:rPr>
+              <a:t>&lt;p&gt;</a:t>
+            </a:r>
+            <a:r>
+              <a:rPr lang="en" altLang="zh-CN" b="0" i="0" dirty="0">
+                <a:effectLst/>
+                <a:latin typeface="inherit"/>
+              </a:rPr>
+              <a:t>Time : {{today | date:'</a:t>
+            </a:r>
+            <a:r>
+              <a:rPr lang="en" altLang="zh-CN" b="0" i="0" dirty="0" err="1">
+                <a:effectLst/>
+                <a:latin typeface="inherit"/>
+              </a:rPr>
+              <a:t>h:mm</a:t>
+            </a:r>
+            <a:r>
+              <a:rPr lang="en" altLang="zh-CN" b="0" i="0" dirty="0">
+                <a:effectLst/>
+                <a:latin typeface="inherit"/>
+              </a:rPr>
+              <a:t> a z'}}</a:t>
+            </a:r>
+            <a:r>
+              <a:rPr lang="en" altLang="zh-CN" b="1" i="0" dirty="0">
+                <a:effectLst/>
+                <a:latin typeface="inherit"/>
+              </a:rPr>
+              <a:t>&lt;/p&gt;</a:t>
+            </a:r>
+            <a:endParaRPr lang="en" altLang="zh-CN" b="0" i="0" dirty="0">
+              <a:effectLst/>
+              <a:latin typeface="Inconsolata" panose="020F0502020204030204" pitchFamily="34" charset="0"/>
+            </a:endParaRPr>
+          </a:p>
+          <a:p>
+            <a:pPr algn="l" fontAlgn="base"/>
+            <a:r>
+              <a:rPr lang="en" altLang="zh-CN" b="1" i="0" dirty="0">
+                <a:effectLst/>
+                <a:latin typeface="inherit"/>
+              </a:rPr>
+              <a:t>&lt;p&gt;</a:t>
+            </a:r>
+            <a:r>
+              <a:rPr lang="en" altLang="zh-CN" b="0" i="0" dirty="0">
+                <a:effectLst/>
+                <a:latin typeface="inherit"/>
+              </a:rPr>
+              <a:t>Medium Time : {{today | date:'</a:t>
+            </a:r>
+            <a:r>
+              <a:rPr lang="en" altLang="zh-CN" b="0" i="0" dirty="0" err="1">
+                <a:effectLst/>
+                <a:latin typeface="inherit"/>
+              </a:rPr>
+              <a:t>mediumTime</a:t>
+            </a:r>
+            <a:r>
+              <a:rPr lang="en" altLang="zh-CN" b="0" i="0" dirty="0">
+                <a:effectLst/>
+                <a:latin typeface="inherit"/>
+              </a:rPr>
+              <a:t>'}}</a:t>
+            </a:r>
+            <a:r>
+              <a:rPr lang="en" altLang="zh-CN" b="1" i="0" dirty="0">
+                <a:effectLst/>
+                <a:latin typeface="inherit"/>
+              </a:rPr>
+              <a:t>&lt;/p&gt;</a:t>
+            </a:r>
+            <a:endParaRPr lang="en" altLang="zh-CN" b="0" i="0" dirty="0">
+              <a:effectLst/>
+              <a:latin typeface="Inconsolata" panose="020F0502020204030204" pitchFamily="34" charset="0"/>
+            </a:endParaRPr>
+          </a:p>
+          <a:p>
+            <a:endParaRPr kumimoji="1" lang="zh-CN" altLang="en-US" dirty="0"/>
+          </a:p>
+        </p:txBody>
+      </p:sp>
+    </p:spTree>
+    <p:extLst>
+      <p:ext uri="{BB962C8B-B14F-4D97-AF65-F5344CB8AC3E}">
+        <p14:creationId xmlns:p14="http://schemas.microsoft.com/office/powerpoint/2010/main" val="3764030837"/>
+      </p:ext>
+    </p:extLst>
+  </p:cSld>
+  <p:clrMapOvr>
+    <a:masterClrMapping/>
+  </p:clrMapOvr>
+</p:sld>
+</file>
+
+<file path=ppt/slides/slide9.xml><?xml version="1.0" encoding="utf-8"?>
+<p:sld xmlns:a="http://schemas.openxmlformats.org/drawingml/2006/main" xmlns:r="http://schemas.openxmlformats.org/officeDocument/2006/relationships" xmlns:p="http://schemas.openxmlformats.org/presentationml/2006/main">
+  <p:cSld>
+    <p:spTree>
+      <p:nvGrpSpPr>
+        <p:cNvPr id="1" name=""/>
+        <p:cNvGrpSpPr/>
+        <p:nvPr/>
+      </p:nvGrpSpPr>
+      <p:grpSpPr>
+        <a:xfrm>
+          <a:off x="0" y="0"/>
+          <a:ext cx="0" cy="0"/>
+          <a:chOff x="0" y="0"/>
+          <a:chExt cx="0" cy="0"/>
+        </a:xfrm>
+      </p:grpSpPr>
+      <p:sp>
+        <p:nvSpPr>
+          <p:cNvPr id="2" name="标题 1">
+            <a:extLst>
+              <a:ext uri="{FF2B5EF4-FFF2-40B4-BE49-F238E27FC236}">
+                <a16:creationId xmlns:a16="http://schemas.microsoft.com/office/drawing/2014/main" id="{CE48F0D1-B56F-C243-A6A7-65BCF8AFCFAD}"/>
+              </a:ext>
+            </a:extLst>
+          </p:cNvPr>
+          <p:cNvSpPr>
+            <a:spLocks noGrp="1"/>
+          </p:cNvSpPr>
+          <p:nvPr>
+            <p:ph type="title"/>
+          </p:nvPr>
+        </p:nvSpPr>
+        <p:spPr/>
+        <p:txBody>
+          <a:bodyPr/>
+          <a:lstStyle/>
+          <a:p>
+            <a:r>
+              <a:rPr kumimoji="1" lang="en" altLang="zh-CN" dirty="0"/>
+              <a:t>What are class decorators?</a:t>
+            </a:r>
+            <a:endParaRPr kumimoji="1" lang="zh-CN" altLang="en-US" dirty="0"/>
+          </a:p>
+        </p:txBody>
+      </p:sp>
+      <p:sp>
+        <p:nvSpPr>
+          <p:cNvPr id="3" name="内容占位符 2">
+            <a:extLst>
+              <a:ext uri="{FF2B5EF4-FFF2-40B4-BE49-F238E27FC236}">
+                <a16:creationId xmlns:a16="http://schemas.microsoft.com/office/drawing/2014/main" id="{8D17DC32-41F5-D849-AF78-7FCB3F18D873}"/>
+              </a:ext>
+            </a:extLst>
+          </p:cNvPr>
+          <p:cNvSpPr>
+            <a:spLocks noGrp="1"/>
+          </p:cNvSpPr>
+          <p:nvPr>
+            <p:ph idx="1"/>
+          </p:nvPr>
+        </p:nvSpPr>
+        <p:spPr/>
+        <p:txBody>
+          <a:bodyPr>
+            <a:normAutofit/>
+          </a:bodyPr>
+          <a:lstStyle/>
+          <a:p>
+            <a:r>
+              <a:rPr lang="en" altLang="zh-CN" b="0" i="0" dirty="0">
+                <a:solidFill>
+                  <a:srgbClr val="545E6F"/>
+                </a:solidFill>
+                <a:effectLst/>
+                <a:latin typeface="Geomanist"/>
+              </a:rPr>
+              <a:t>Angular offers us a few class decorators. These are the top-level decorators that we use to express </a:t>
+            </a:r>
+            <a:r>
+              <a:rPr lang="en" altLang="zh-CN" b="0" i="1" dirty="0">
+                <a:solidFill>
+                  <a:srgbClr val="545E6F"/>
+                </a:solidFill>
+                <a:effectLst/>
+                <a:latin typeface="Geomanist"/>
+              </a:rPr>
+              <a:t>intent</a:t>
+            </a:r>
+            <a:r>
+              <a:rPr lang="en" altLang="zh-CN" b="0" i="0" dirty="0">
+                <a:solidFill>
+                  <a:srgbClr val="545E6F"/>
+                </a:solidFill>
+                <a:effectLst/>
+                <a:latin typeface="Geomanist"/>
+              </a:rPr>
+              <a:t> for classes. They allow us to tell Angular that a particular class is a component, or module, for example. And the decorator allows us to define this intent without having to actually put any code inside the class.</a:t>
+            </a:r>
+          </a:p>
+          <a:p>
+            <a:pPr algn="l" fontAlgn="base">
+              <a:buFont typeface="Arial" panose="020B0604020202020204" pitchFamily="34" charset="0"/>
+              <a:buChar char="•"/>
+            </a:pPr>
+            <a:r>
+              <a:rPr lang="en" altLang="zh-CN" b="0" i="0" u="none" strike="noStrike" dirty="0">
+                <a:effectLst/>
+                <a:latin typeface="Source Sans Pro" panose="020B0503030403020204" pitchFamily="34" charset="0"/>
+                <a:hlinkClick r:id="rId2">
+                  <a:extLst>
+                    <a:ext uri="{A12FA001-AC4F-418D-AE19-62706E023703}">
+                      <ahyp:hlinkClr xmlns:ahyp="http://schemas.microsoft.com/office/drawing/2018/hyperlinkcolor" val="tx"/>
+                    </a:ext>
+                  </a:extLst>
+                </a:hlinkClick>
+              </a:rPr>
+              <a:t>@NgModule</a:t>
+            </a:r>
+            <a:r>
+              <a:rPr lang="en" altLang="zh-CN" dirty="0">
+                <a:latin typeface="Source Sans Pro" panose="020B0503030403020204" pitchFamily="34" charset="0"/>
+              </a:rPr>
+              <a:t>. </a:t>
+            </a:r>
+            <a:r>
+              <a:rPr lang="en" altLang="zh-CN" b="0" i="0" u="none" strike="noStrike" dirty="0">
+                <a:effectLst/>
+                <a:latin typeface="Source Sans Pro" panose="020B0503030403020204" pitchFamily="34" charset="0"/>
+                <a:hlinkClick r:id="rId3">
+                  <a:extLst>
+                    <a:ext uri="{A12FA001-AC4F-418D-AE19-62706E023703}">
+                      <ahyp:hlinkClr xmlns:ahyp="http://schemas.microsoft.com/office/drawing/2018/hyperlinkcolor" val="tx"/>
+                    </a:ext>
+                  </a:extLst>
+                </a:hlinkClick>
+              </a:rPr>
+              <a:t>@Component</a:t>
+            </a:r>
+            <a:r>
+              <a:rPr lang="en" altLang="zh-CN" strike="noStrike" dirty="0">
+                <a:latin typeface="Source Sans Pro" panose="020B0503030403020204" pitchFamily="34" charset="0"/>
+              </a:rPr>
+              <a:t>. </a:t>
+            </a:r>
+            <a:r>
+              <a:rPr lang="en" altLang="zh-CN" b="0" i="0" u="sng" dirty="0">
+                <a:effectLst/>
+                <a:latin typeface="Source Sans Pro" panose="020B0503030403020204" pitchFamily="34" charset="0"/>
+                <a:hlinkClick r:id="rId4">
+                  <a:extLst>
+                    <a:ext uri="{A12FA001-AC4F-418D-AE19-62706E023703}">
+                      <ahyp:hlinkClr xmlns:ahyp="http://schemas.microsoft.com/office/drawing/2018/hyperlinkcolor" val="tx"/>
+                    </a:ext>
+                  </a:extLst>
+                </a:hlinkClick>
+              </a:rPr>
+              <a:t>@Injectable</a:t>
+            </a:r>
+            <a:r>
+              <a:rPr lang="en" altLang="zh-CN" b="0" i="0" u="sng" dirty="0">
+                <a:effectLst/>
+                <a:latin typeface="Source Sans Pro" panose="020B0503030403020204" pitchFamily="34" charset="0"/>
+              </a:rPr>
+              <a:t>. </a:t>
+            </a:r>
+            <a:r>
+              <a:rPr lang="en" altLang="zh-CN" b="0" i="0" u="none" strike="noStrike" dirty="0">
+                <a:effectLst/>
+                <a:latin typeface="Source Sans Pro" panose="020B0503030403020204" pitchFamily="34" charset="0"/>
+                <a:hlinkClick r:id="rId5">
+                  <a:extLst>
+                    <a:ext uri="{A12FA001-AC4F-418D-AE19-62706E023703}">
+                      <ahyp:hlinkClr xmlns:ahyp="http://schemas.microsoft.com/office/drawing/2018/hyperlinkcolor" val="tx"/>
+                    </a:ext>
+                  </a:extLst>
+                </a:hlinkClick>
+              </a:rPr>
+              <a:t>@Directive</a:t>
+            </a:r>
+            <a:r>
+              <a:rPr lang="en" altLang="zh-CN" b="0" i="0" u="none" strike="noStrike" dirty="0">
+                <a:effectLst/>
+                <a:latin typeface="Source Sans Pro" panose="020B0503030403020204" pitchFamily="34" charset="0"/>
+              </a:rPr>
+              <a:t>. </a:t>
+            </a:r>
+            <a:r>
+              <a:rPr lang="en" altLang="zh-CN" b="0" i="0" u="none" strike="noStrike" dirty="0">
+                <a:effectLst/>
+                <a:latin typeface="Source Sans Pro" panose="020B0503030403020204" pitchFamily="34" charset="0"/>
+                <a:hlinkClick r:id="rId6">
+                  <a:extLst>
+                    <a:ext uri="{A12FA001-AC4F-418D-AE19-62706E023703}">
+                      <ahyp:hlinkClr xmlns:ahyp="http://schemas.microsoft.com/office/drawing/2018/hyperlinkcolor" val="tx"/>
+                    </a:ext>
+                  </a:extLst>
+                </a:hlinkClick>
+              </a:rPr>
+              <a:t>@Pipe</a:t>
+            </a:r>
+            <a:endParaRPr lang="en" altLang="zh-CN" b="0" i="0" dirty="0">
+              <a:solidFill>
+                <a:srgbClr val="545E6F"/>
+              </a:solidFill>
+              <a:effectLst/>
+              <a:latin typeface="Geomanist"/>
+            </a:endParaRPr>
+          </a:p>
+          <a:p>
+            <a:pPr algn="l"/>
+            <a:r>
+              <a:rPr lang="en-IN" altLang="zh-CN" b="0" i="0" dirty="0">
+                <a:solidFill>
+                  <a:srgbClr val="231F20"/>
+                </a:solidFill>
+                <a:effectLst/>
+                <a:latin typeface="Open Sans" panose="020B0606030504020204" pitchFamily="34" charset="0"/>
+              </a:rPr>
+              <a:t>@Component and @</a:t>
+            </a:r>
+            <a:r>
+              <a:rPr lang="en-IN" altLang="zh-CN" b="0" i="0" dirty="0" err="1">
+                <a:solidFill>
+                  <a:srgbClr val="231F20"/>
+                </a:solidFill>
+                <a:effectLst/>
+                <a:latin typeface="Open Sans" panose="020B0606030504020204" pitchFamily="34" charset="0"/>
+              </a:rPr>
+              <a:t>NgModule</a:t>
+            </a:r>
+            <a:r>
+              <a:rPr lang="en-IN" altLang="zh-CN" b="0" i="0" dirty="0">
+                <a:solidFill>
+                  <a:srgbClr val="231F20"/>
+                </a:solidFill>
+                <a:effectLst/>
+                <a:latin typeface="Open Sans" panose="020B0606030504020204" pitchFamily="34" charset="0"/>
+              </a:rPr>
+              <a:t> are widely used. </a:t>
+            </a:r>
+          </a:p>
+        </p:txBody>
+      </p:sp>
+    </p:spTree>
+    <p:extLst>
+      <p:ext uri="{BB962C8B-B14F-4D97-AF65-F5344CB8AC3E}">
+        <p14:creationId xmlns:p14="http://schemas.microsoft.com/office/powerpoint/2010/main" val="3044677248"/>
       </p:ext>
     </p:extLst>
   </p:cSld>
@@ -3685,4 +6675,299 @@
     </a:ext>
   </a:extLst>
 </a:theme>
+</file>
+
+<file path=ppt/theme/theme2.xml><?xml version="1.0" encoding="utf-8"?>
+<a:theme xmlns:a="http://schemas.openxmlformats.org/drawingml/2006/main" name="Office 主题​​">
+  <a:themeElements>
+    <a:clrScheme name="Office">
+      <a:dk1>
+        <a:sysClr val="windowText" lastClr="000000"/>
+      </a:dk1>
+      <a:lt1>
+        <a:sysClr val="window" lastClr="FFFFFF"/>
+      </a:lt1>
+      <a:dk2>
+        <a:srgbClr val="44546A"/>
+      </a:dk2>
+      <a:lt2>
+        <a:srgbClr val="E7E6E6"/>
+      </a:lt2>
+      <a:accent1>
+        <a:srgbClr val="4472C4"/>
+      </a:accent1>
+      <a:accent2>
+        <a:srgbClr val="ED7D31"/>
+      </a:accent2>
+      <a:accent3>
+        <a:srgbClr val="A5A5A5"/>
+      </a:accent3>
+      <a:accent4>
+        <a:srgbClr val="FFC000"/>
+      </a:accent4>
+      <a:accent5>
+        <a:srgbClr val="5B9BD5"/>
+      </a:accent5>
+      <a:accent6>
+        <a:srgbClr val="70AD47"/>
+      </a:accent6>
+      <a:hlink>
+        <a:srgbClr val="0563C1"/>
+      </a:hlink>
+      <a:folHlink>
+        <a:srgbClr val="954F72"/>
+      </a:folHlink>
+    </a:clrScheme>
+    <a:fontScheme name="Office">
+      <a:majorFont>
+        <a:latin typeface="等线 Light" panose="020F0302020204030204"/>
+        <a:ea typeface=""/>
+        <a:cs typeface=""/>
+        <a:font script="Jpan" typeface="游ゴシック Light"/>
+        <a:font script="Hang" typeface="맑은 고딕"/>
+        <a:font script="Hans" typeface="等线 Light"/>
+        <a:font script="Hant" typeface="新細明體"/>
+        <a:font script="Arab" typeface="Times New Roman"/>
+        <a:font script="Hebr" typeface="Times New Roman"/>
+        <a:font script="Thai" typeface="Angsana New"/>
+        <a:font script="Ethi" typeface="Nyala"/>
+        <a:font script="Beng" typeface="Vrinda"/>
+        <a:font script="Gujr" typeface="Shruti"/>
+        <a:font script="Khmr" typeface="MoolBoran"/>
+        <a:font script="Knda" typeface="Tunga"/>
+        <a:font script="Guru" typeface="Raavi"/>
+        <a:font script="Cans" typeface="Euphemia"/>
+        <a:font script="Cher" typeface="Plantagenet Cherokee"/>
+        <a:font script="Yiii" typeface="Microsoft Yi Baiti"/>
+        <a:font script="Tibt" typeface="Microsoft Himalaya"/>
+        <a:font script="Thaa" typeface="MV Boli"/>
+        <a:font script="Deva" typeface="Mangal"/>
+        <a:font script="Telu" typeface="Gautami"/>
+        <a:font script="Taml" typeface="Latha"/>
+        <a:font script="Syrc" typeface="Estrangelo Edessa"/>
+        <a:font script="Orya" typeface="Kalinga"/>
+        <a:font script="Mlym" typeface="Kartika"/>
+        <a:font script="Laoo" typeface="DokChampa"/>
+        <a:font script="Sinh" typeface="Iskoola Pota"/>
+        <a:font script="Mong" typeface="Mongolian Baiti"/>
+        <a:font script="Viet" typeface="Times New Roman"/>
+        <a:font script="Uigh" typeface="Microsoft Uighur"/>
+        <a:font script="Geor" typeface="Sylfaen"/>
+        <a:font script="Armn" typeface="Arial"/>
+        <a:font script="Bugi" typeface="Leelawadee UI"/>
+        <a:font script="Bopo" typeface="Microsoft JhengHei"/>
+        <a:font script="Java" typeface="Javanese Text"/>
+        <a:font script="Lisu" typeface="Segoe UI"/>
+        <a:font script="Mymr" typeface="Myanmar Text"/>
+        <a:font script="Nkoo" typeface="Ebrima"/>
+        <a:font script="Olck" typeface="Nirmala UI"/>
+        <a:font script="Osma" typeface="Ebrima"/>
+        <a:font script="Phag" typeface="Phagspa"/>
+        <a:font script="Syrn" typeface="Estrangelo Edessa"/>
+        <a:font script="Syrj" typeface="Estrangelo Edessa"/>
+        <a:font script="Syre" typeface="Estrangelo Edessa"/>
+        <a:font script="Sora" typeface="Nirmala UI"/>
+        <a:font script="Tale" typeface="Microsoft Tai Le"/>
+        <a:font script="Talu" typeface="Microsoft New Tai Lue"/>
+        <a:font script="Tfng" typeface="Ebrima"/>
+      </a:majorFont>
+      <a:minorFont>
+        <a:latin typeface="等线" panose="020F0502020204030204"/>
+        <a:ea typeface=""/>
+        <a:cs typeface=""/>
+        <a:font script="Jpan" typeface="游ゴシック"/>
+        <a:font script="Hang" typeface="맑은 고딕"/>
+        <a:font script="Hans" typeface="等线"/>
+        <a:font script="Hant" typeface="新細明體"/>
+        <a:font script="Arab" typeface="Arial"/>
+        <a:font script="Hebr" typeface="Arial"/>
+        <a:font script="Thai" typeface="Cordia New"/>
+        <a:font script="Ethi" typeface="Nyala"/>
+        <a:font script="Beng" typeface="Vrinda"/>
+        <a:font script="Gujr" typeface="Shruti"/>
+        <a:font script="Khmr" typeface="DaunPenh"/>
+        <a:font script="Knda" typeface="Tunga"/>
+        <a:font script="Guru" typeface="Raavi"/>
+        <a:font script="Cans" typeface="Euphemia"/>
+        <a:font script="Cher" typeface="Plantagenet Cherokee"/>
+        <a:font script="Yiii" typeface="Microsoft Yi Baiti"/>
+        <a:font script="Tibt" typeface="Microsoft Himalaya"/>
+        <a:font script="Thaa" typeface="MV Boli"/>
+        <a:font script="Deva" typeface="Mangal"/>
+        <a:font script="Telu" typeface="Gautami"/>
+        <a:font script="Taml" typeface="Latha"/>
+        <a:font script="Syrc" typeface="Estrangelo Edessa"/>
+        <a:font script="Orya" typeface="Kalinga"/>
+        <a:font script="Mlym" typeface="Kartika"/>
+        <a:font script="Laoo" typeface="DokChampa"/>
+        <a:font script="Sinh" typeface="Iskoola Pota"/>
+        <a:font script="Mong" typeface="Mongolian Baiti"/>
+        <a:font script="Viet" typeface="Arial"/>
+        <a:font script="Uigh" typeface="Microsoft Uighur"/>
+        <a:font script="Geor" typeface="Sylfaen"/>
+        <a:font script="Armn" typeface="Arial"/>
+        <a:font script="Bugi" typeface="Leelawadee UI"/>
+        <a:font script="Bopo" typeface="Microsoft JhengHei"/>
+        <a:font script="Java" typeface="Javanese Text"/>
+        <a:font script="Lisu" typeface="Segoe UI"/>
+        <a:font script="Mymr" typeface="Myanmar Text"/>
+        <a:font script="Nkoo" typeface="Ebrima"/>
+        <a:font script="Olck" typeface="Nirmala UI"/>
+        <a:font script="Osma" typeface="Ebrima"/>
+        <a:font script="Phag" typeface="Phagspa"/>
+        <a:font script="Syrn" typeface="Estrangelo Edessa"/>
+        <a:font script="Syrj" typeface="Estrangelo Edessa"/>
+        <a:font script="Syre" typeface="Estrangelo Edessa"/>
+        <a:font script="Sora" typeface="Nirmala UI"/>
+        <a:font script="Tale" typeface="Microsoft Tai Le"/>
+        <a:font script="Talu" typeface="Microsoft New Tai Lue"/>
+        <a:font script="Tfng" typeface="Ebrima"/>
+      </a:minorFont>
+    </a:fontScheme>
+    <a:fmtScheme name="Office">
+      <a:fillStyleLst>
+        <a:solidFill>
+          <a:schemeClr val="phClr"/>
+        </a:solidFill>
+        <a:gradFill rotWithShape="1">
+          <a:gsLst>
+            <a:gs pos="0">
+              <a:schemeClr val="phClr">
+                <a:lumMod val="110000"/>
+                <a:satMod val="105000"/>
+                <a:tint val="67000"/>
+              </a:schemeClr>
+            </a:gs>
+            <a:gs pos="50000">
+              <a:schemeClr val="phClr">
+                <a:lumMod val="105000"/>
+                <a:satMod val="103000"/>
+                <a:tint val="73000"/>
+              </a:schemeClr>
+            </a:gs>
+            <a:gs pos="100000">
+              <a:schemeClr val="phClr">
+                <a:lumMod val="105000"/>
+                <a:satMod val="109000"/>
+                <a:tint val="81000"/>
+              </a:schemeClr>
+            </a:gs>
+          </a:gsLst>
+          <a:lin ang="5400000" scaled="0"/>
+        </a:gradFill>
+        <a:gradFill rotWithShape="1">
+          <a:gsLst>
+            <a:gs pos="0">
+              <a:schemeClr val="phClr">
+                <a:satMod val="103000"/>
+                <a:lumMod val="102000"/>
+                <a:tint val="94000"/>
+              </a:schemeClr>
+            </a:gs>
+            <a:gs pos="50000">
+              <a:schemeClr val="phClr">
+                <a:satMod val="110000"/>
+                <a:lumMod val="100000"/>
+                <a:shade val="100000"/>
+              </a:schemeClr>
+            </a:gs>
+            <a:gs pos="100000">
+              <a:schemeClr val="phClr">
+                <a:lumMod val="99000"/>
+                <a:satMod val="120000"/>
+                <a:shade val="78000"/>
+              </a:schemeClr>
+            </a:gs>
+          </a:gsLst>
+          <a:lin ang="5400000" scaled="0"/>
+        </a:gradFill>
+      </a:fillStyleLst>
+      <a:lnStyleLst>
+        <a:ln w="6350" cap="flat" cmpd="sng" algn="ctr">
+          <a:solidFill>
+            <a:schemeClr val="phClr"/>
+          </a:solidFill>
+          <a:prstDash val="solid"/>
+          <a:miter lim="800000"/>
+        </a:ln>
+        <a:ln w="12700" cap="flat" cmpd="sng" algn="ctr">
+          <a:solidFill>
+            <a:schemeClr val="phClr"/>
+          </a:solidFill>
+          <a:prstDash val="solid"/>
+          <a:miter lim="800000"/>
+        </a:ln>
+        <a:ln w="19050" cap="flat" cmpd="sng" algn="ctr">
+          <a:solidFill>
+            <a:schemeClr val="phClr"/>
+          </a:solidFill>
+          <a:prstDash val="solid"/>
+          <a:miter lim="800000"/>
+        </a:ln>
+      </a:lnStyleLst>
+      <a:effectStyleLst>
+        <a:effectStyle>
+          <a:effectLst/>
+        </a:effectStyle>
+        <a:effectStyle>
+          <a:effectLst/>
+        </a:effectStyle>
+        <a:effectStyle>
+          <a:effectLst>
+            <a:outerShdw blurRad="57150" dist="19050" dir="5400000" algn="ctr" rotWithShape="0">
+              <a:srgbClr val="000000">
+                <a:alpha val="63000"/>
+              </a:srgbClr>
+            </a:outerShdw>
+          </a:effectLst>
+        </a:effectStyle>
+      </a:effectStyleLst>
+      <a:bgFillStyleLst>
+        <a:solidFill>
+          <a:schemeClr val="phClr"/>
+        </a:solidFill>
+        <a:solidFill>
+          <a:schemeClr val="phClr">
+            <a:tint val="95000"/>
+            <a:satMod val="170000"/>
+          </a:schemeClr>
+        </a:solidFill>
+        <a:gradFill rotWithShape="1">
+          <a:gsLst>
+            <a:gs pos="0">
+              <a:schemeClr val="phClr">
+                <a:tint val="93000"/>
+                <a:satMod val="150000"/>
+                <a:shade val="98000"/>
+                <a:lumMod val="102000"/>
+              </a:schemeClr>
+            </a:gs>
+            <a:gs pos="50000">
+              <a:schemeClr val="phClr">
+                <a:tint val="98000"/>
+                <a:satMod val="130000"/>
+                <a:shade val="90000"/>
+                <a:lumMod val="103000"/>
+              </a:schemeClr>
+            </a:gs>
+            <a:gs pos="100000">
+              <a:schemeClr val="phClr">
+                <a:shade val="63000"/>
+                <a:satMod val="120000"/>
+              </a:schemeClr>
+            </a:gs>
+          </a:gsLst>
+          <a:lin ang="5400000" scaled="0"/>
+        </a:gradFill>
+      </a:bgFillStyleLst>
+    </a:fmtScheme>
+  </a:themeElements>
+  <a:objectDefaults/>
+  <a:extraClrSchemeLst/>
+  <a:extLst>
+    <a:ext uri="{05A4C25C-085E-4340-85A3-A5531E510DB2}">
+      <thm15:themeFamily xmlns:thm15="http://schemas.microsoft.com/office/thememl/2012/main" name="Office Theme" id="{62F939B6-93AF-4DB8-9C6B-D6C7DFDC589F}" vid="{4A3C46E8-61CC-4603-A589-7422A47A8E4A}"/>
+    </a:ext>
+  </a:extLst>
+</a:theme>
 </file>